--- a/app/Angular4/docs/Angular4 Introduction.pptx
+++ b/app/Angular4/docs/Angular4 Introduction.pptx
@@ -31,25 +31,26 @@
     <p:sldId id="358" r:id="rId24"/>
     <p:sldId id="359" r:id="rId25"/>
     <p:sldId id="506" r:id="rId26"/>
-    <p:sldId id="393" r:id="rId27"/>
-    <p:sldId id="427" r:id="rId28"/>
-    <p:sldId id="325" r:id="rId29"/>
-    <p:sldId id="428" r:id="rId30"/>
-    <p:sldId id="429" r:id="rId31"/>
-    <p:sldId id="464" r:id="rId32"/>
-    <p:sldId id="465" r:id="rId33"/>
-    <p:sldId id="466" r:id="rId34"/>
-    <p:sldId id="326" r:id="rId35"/>
-    <p:sldId id="357" r:id="rId36"/>
-    <p:sldId id="327" r:id="rId37"/>
-    <p:sldId id="294" r:id="rId38"/>
-    <p:sldId id="463" r:id="rId39"/>
-    <p:sldId id="500" r:id="rId40"/>
-    <p:sldId id="295" r:id="rId41"/>
-    <p:sldId id="296" r:id="rId42"/>
-    <p:sldId id="501" r:id="rId43"/>
-    <p:sldId id="502" r:id="rId44"/>
-    <p:sldId id="285" r:id="rId45"/>
+    <p:sldId id="532" r:id="rId27"/>
+    <p:sldId id="393" r:id="rId28"/>
+    <p:sldId id="427" r:id="rId29"/>
+    <p:sldId id="325" r:id="rId30"/>
+    <p:sldId id="428" r:id="rId31"/>
+    <p:sldId id="429" r:id="rId32"/>
+    <p:sldId id="464" r:id="rId33"/>
+    <p:sldId id="465" r:id="rId34"/>
+    <p:sldId id="466" r:id="rId35"/>
+    <p:sldId id="326" r:id="rId36"/>
+    <p:sldId id="357" r:id="rId37"/>
+    <p:sldId id="327" r:id="rId38"/>
+    <p:sldId id="294" r:id="rId39"/>
+    <p:sldId id="463" r:id="rId40"/>
+    <p:sldId id="500" r:id="rId41"/>
+    <p:sldId id="295" r:id="rId42"/>
+    <p:sldId id="296" r:id="rId43"/>
+    <p:sldId id="501" r:id="rId44"/>
+    <p:sldId id="502" r:id="rId45"/>
+    <p:sldId id="285" r:id="rId46"/>
   </p:sldIdLst>
   <p:sldSz cx="12192000" cy="6858000"/>
   <p:notesSz cx="7103745" cy="10234295"/>
@@ -39539,6 +39540,440 @@
         <p:cNvGrpSpPr/>
         <p:nvPr/>
       </p:nvGrpSpPr>
+      <p:grpSpPr/>
+      <p:sp>
+        <p:nvSpPr>
+          <p:cNvPr id="2" name="Title 1"/>
+          <p:cNvSpPr>
+            <a:spLocks noGrp="1"/>
+          </p:cNvSpPr>
+          <p:nvPr>
+            <p:ph type="title"/>
+          </p:nvPr>
+        </p:nvSpPr>
+        <p:spPr/>
+        <p:txBody>
+          <a:bodyPr/>
+          <a:p>
+            <a:r>
+              <a:rPr lang="en-US"/>
+              <a:t>Directive</a:t>
+            </a:r>
+            <a:endParaRPr lang="en-US"/>
+          </a:p>
+        </p:txBody>
+      </p:sp>
+      <p:sp>
+        <p:nvSpPr>
+          <p:cNvPr id="4" name="Rectangle 3"/>
+          <p:cNvSpPr/>
+          <p:nvPr/>
+        </p:nvSpPr>
+        <p:spPr>
+          <a:xfrm>
+            <a:off x="1458595" y="2716530"/>
+            <a:ext cx="2265680" cy="489585"/>
+          </a:xfrm>
+          <a:prstGeom prst="rect">
+            <a:avLst/>
+          </a:prstGeom>
+        </p:spPr>
+        <p:style>
+          <a:lnRef idx="2">
+            <a:schemeClr val="accent1">
+              <a:shade val="50000"/>
+            </a:schemeClr>
+          </a:lnRef>
+          <a:fillRef idx="1">
+            <a:schemeClr val="accent1"/>
+          </a:fillRef>
+          <a:effectRef idx="0">
+            <a:schemeClr val="accent1"/>
+          </a:effectRef>
+          <a:fontRef idx="minor">
+            <a:schemeClr val="lt1"/>
+          </a:fontRef>
+        </p:style>
+        <p:txBody>
+          <a:bodyPr rtlCol="0" anchor="ctr"/>
+          <a:p>
+            <a:pPr algn="ctr"/>
+            <a:r>
+              <a:rPr lang="en-US"/>
+              <a:t>Directive</a:t>
+            </a:r>
+            <a:endParaRPr lang="en-US"/>
+          </a:p>
+        </p:txBody>
+      </p:sp>
+      <p:sp>
+        <p:nvSpPr>
+          <p:cNvPr id="5" name="Rectangle 4"/>
+          <p:cNvSpPr/>
+          <p:nvPr/>
+        </p:nvSpPr>
+        <p:spPr>
+          <a:xfrm>
+            <a:off x="1458595" y="4571365"/>
+            <a:ext cx="2265680" cy="489585"/>
+          </a:xfrm>
+          <a:prstGeom prst="rect">
+            <a:avLst/>
+          </a:prstGeom>
+        </p:spPr>
+        <p:style>
+          <a:lnRef idx="2">
+            <a:schemeClr val="accent1">
+              <a:shade val="50000"/>
+            </a:schemeClr>
+          </a:lnRef>
+          <a:fillRef idx="1">
+            <a:schemeClr val="accent1"/>
+          </a:fillRef>
+          <a:effectRef idx="0">
+            <a:schemeClr val="accent1"/>
+          </a:effectRef>
+          <a:fontRef idx="minor">
+            <a:schemeClr val="lt1"/>
+          </a:fontRef>
+        </p:style>
+        <p:txBody>
+          <a:bodyPr rtlCol="0" anchor="ctr"/>
+          <a:p>
+            <a:pPr algn="ctr"/>
+            <a:r>
+              <a:rPr lang="en-US"/>
+              <a:t>Component</a:t>
+            </a:r>
+            <a:endParaRPr lang="en-US"/>
+          </a:p>
+        </p:txBody>
+      </p:sp>
+      <p:cxnSp>
+        <p:nvCxnSpPr>
+          <p:cNvPr id="6" name="Straight Arrow Connector 5"/>
+          <p:cNvCxnSpPr>
+            <a:stCxn id="5" idx="0"/>
+            <a:endCxn id="4" idx="2"/>
+          </p:cNvCxnSpPr>
+          <p:nvPr/>
+        </p:nvCxnSpPr>
+        <p:spPr>
+          <a:xfrm flipV="1">
+            <a:off x="2591435" y="3196590"/>
+            <a:ext cx="0" cy="1365250"/>
+          </a:xfrm>
+          <a:prstGeom prst="straightConnector1">
+            <a:avLst/>
+          </a:prstGeom>
+          <a:ln>
+            <a:tailEnd type="arrow"/>
+          </a:ln>
+        </p:spPr>
+        <p:style>
+          <a:lnRef idx="1">
+            <a:schemeClr val="accent1"/>
+          </a:lnRef>
+          <a:fillRef idx="0">
+            <a:schemeClr val="accent1"/>
+          </a:fillRef>
+          <a:effectRef idx="0">
+            <a:schemeClr val="accent1"/>
+          </a:effectRef>
+          <a:fontRef idx="minor">
+            <a:schemeClr val="tx1"/>
+          </a:fontRef>
+        </p:style>
+      </p:cxnSp>
+      <p:sp>
+        <p:nvSpPr>
+          <p:cNvPr id="7" name="Text Box 6"/>
+          <p:cNvSpPr txBox="1"/>
+          <p:nvPr/>
+        </p:nvSpPr>
+        <p:spPr>
+          <a:xfrm>
+            <a:off x="2668270" y="3686175"/>
+            <a:ext cx="1104265" cy="365760"/>
+          </a:xfrm>
+          <a:prstGeom prst="rect">
+            <a:avLst/>
+          </a:prstGeom>
+          <a:noFill/>
+        </p:spPr>
+        <p:txBody>
+          <a:bodyPr wrap="square" rtlCol="0">
+            <a:spAutoFit/>
+          </a:bodyPr>
+          <a:p>
+            <a:r>
+              <a:rPr lang="en-US"/>
+              <a:t>Inherit</a:t>
+            </a:r>
+            <a:endParaRPr lang="en-US"/>
+          </a:p>
+        </p:txBody>
+      </p:sp>
+      <p:sp>
+        <p:nvSpPr>
+          <p:cNvPr id="8" name="Text Box 7"/>
+          <p:cNvSpPr txBox="1"/>
+          <p:nvPr/>
+        </p:nvSpPr>
+        <p:spPr>
+          <a:xfrm>
+            <a:off x="2236470" y="5158105"/>
+            <a:ext cx="3560445" cy="640080"/>
+          </a:xfrm>
+          <a:prstGeom prst="rect">
+            <a:avLst/>
+          </a:prstGeom>
+          <a:noFill/>
+        </p:spPr>
+        <p:txBody>
+          <a:bodyPr wrap="square" rtlCol="0">
+            <a:spAutoFit/>
+          </a:bodyPr>
+          <a:p>
+            <a:r>
+              <a:rPr lang="en-US"/>
+              <a:t>Component is directive with template</a:t>
+            </a:r>
+            <a:endParaRPr lang="en-US"/>
+          </a:p>
+        </p:txBody>
+      </p:sp>
+      <p:sp>
+        <p:nvSpPr>
+          <p:cNvPr id="9" name="Rectangle 8"/>
+          <p:cNvSpPr/>
+          <p:nvPr/>
+        </p:nvSpPr>
+        <p:spPr>
+          <a:xfrm>
+            <a:off x="4369435" y="1787525"/>
+            <a:ext cx="2265680" cy="489585"/>
+          </a:xfrm>
+          <a:prstGeom prst="rect">
+            <a:avLst/>
+          </a:prstGeom>
+        </p:spPr>
+        <p:style>
+          <a:lnRef idx="2">
+            <a:schemeClr val="accent1">
+              <a:shade val="50000"/>
+            </a:schemeClr>
+          </a:lnRef>
+          <a:fillRef idx="1">
+            <a:schemeClr val="accent1"/>
+          </a:fillRef>
+          <a:effectRef idx="0">
+            <a:schemeClr val="accent1"/>
+          </a:effectRef>
+          <a:fontRef idx="minor">
+            <a:schemeClr val="lt1"/>
+          </a:fontRef>
+        </p:style>
+        <p:txBody>
+          <a:bodyPr rtlCol="0" anchor="ctr"/>
+          <a:p>
+            <a:pPr algn="ctr"/>
+            <a:r>
+              <a:rPr lang="en-US"/>
+              <a:t>Property Directive</a:t>
+            </a:r>
+            <a:endParaRPr lang="en-US"/>
+          </a:p>
+        </p:txBody>
+      </p:sp>
+      <p:sp>
+        <p:nvSpPr>
+          <p:cNvPr id="10" name="Rectangle 9"/>
+          <p:cNvSpPr/>
+          <p:nvPr/>
+        </p:nvSpPr>
+        <p:spPr>
+          <a:xfrm>
+            <a:off x="4369435" y="3562350"/>
+            <a:ext cx="2265680" cy="489585"/>
+          </a:xfrm>
+          <a:prstGeom prst="rect">
+            <a:avLst/>
+          </a:prstGeom>
+        </p:spPr>
+        <p:style>
+          <a:lnRef idx="2">
+            <a:schemeClr val="accent1">
+              <a:shade val="50000"/>
+            </a:schemeClr>
+          </a:lnRef>
+          <a:fillRef idx="1">
+            <a:schemeClr val="accent1"/>
+          </a:fillRef>
+          <a:effectRef idx="0">
+            <a:schemeClr val="accent1"/>
+          </a:effectRef>
+          <a:fontRef idx="minor">
+            <a:schemeClr val="lt1"/>
+          </a:fontRef>
+        </p:style>
+        <p:txBody>
+          <a:bodyPr rtlCol="0" anchor="ctr"/>
+          <a:p>
+            <a:pPr algn="ctr"/>
+            <a:r>
+              <a:rPr lang="en-US"/>
+              <a:t>Struture Directive</a:t>
+            </a:r>
+            <a:endParaRPr lang="en-US"/>
+          </a:p>
+        </p:txBody>
+      </p:sp>
+      <p:cxnSp>
+        <p:nvCxnSpPr>
+          <p:cNvPr id="11" name="Elbow Connector 10"/>
+          <p:cNvCxnSpPr>
+            <a:stCxn id="4" idx="3"/>
+            <a:endCxn id="9" idx="1"/>
+          </p:cNvCxnSpPr>
+          <p:nvPr/>
+        </p:nvCxnSpPr>
+        <p:spPr>
+          <a:xfrm flipV="1">
+            <a:off x="3724275" y="2023110"/>
+            <a:ext cx="645160" cy="929005"/>
+          </a:xfrm>
+          <a:prstGeom prst="bentConnector3">
+            <a:avLst>
+              <a:gd name="adj1" fmla="val 50000"/>
+            </a:avLst>
+          </a:prstGeom>
+        </p:spPr>
+        <p:style>
+          <a:lnRef idx="1">
+            <a:schemeClr val="accent1"/>
+          </a:lnRef>
+          <a:fillRef idx="0">
+            <a:schemeClr val="accent1"/>
+          </a:fillRef>
+          <a:effectRef idx="0">
+            <a:schemeClr val="accent1"/>
+          </a:effectRef>
+          <a:fontRef idx="minor">
+            <a:schemeClr val="tx1"/>
+          </a:fontRef>
+        </p:style>
+      </p:cxnSp>
+      <p:cxnSp>
+        <p:nvCxnSpPr>
+          <p:cNvPr id="12" name="Elbow Connector 11"/>
+          <p:cNvCxnSpPr>
+            <a:stCxn id="4" idx="3"/>
+            <a:endCxn id="10" idx="1"/>
+          </p:cNvCxnSpPr>
+          <p:nvPr/>
+        </p:nvCxnSpPr>
+        <p:spPr>
+          <a:xfrm>
+            <a:off x="3724275" y="2952115"/>
+            <a:ext cx="645160" cy="845820"/>
+          </a:xfrm>
+          <a:prstGeom prst="bentConnector3">
+            <a:avLst>
+              <a:gd name="adj1" fmla="val 50000"/>
+            </a:avLst>
+          </a:prstGeom>
+        </p:spPr>
+        <p:style>
+          <a:lnRef idx="1">
+            <a:schemeClr val="accent1"/>
+          </a:lnRef>
+          <a:fillRef idx="0">
+            <a:schemeClr val="accent1"/>
+          </a:fillRef>
+          <a:effectRef idx="0">
+            <a:schemeClr val="accent1"/>
+          </a:effectRef>
+          <a:fontRef idx="minor">
+            <a:schemeClr val="tx1"/>
+          </a:fontRef>
+        </p:style>
+      </p:cxnSp>
+      <p:sp>
+        <p:nvSpPr>
+          <p:cNvPr id="13" name="Text Box 12"/>
+          <p:cNvSpPr txBox="1"/>
+          <p:nvPr/>
+        </p:nvSpPr>
+        <p:spPr>
+          <a:xfrm>
+            <a:off x="7199630" y="1767840"/>
+            <a:ext cx="4147185" cy="640080"/>
+          </a:xfrm>
+          <a:prstGeom prst="rect">
+            <a:avLst/>
+          </a:prstGeom>
+          <a:noFill/>
+        </p:spPr>
+        <p:txBody>
+          <a:bodyPr wrap="square" rtlCol="0">
+            <a:spAutoFit/>
+          </a:bodyPr>
+          <a:p>
+            <a:r>
+              <a:rPr lang="en-US"/>
+              <a:t>Change style or action of component templates</a:t>
+            </a:r>
+            <a:endParaRPr lang="en-US"/>
+          </a:p>
+        </p:txBody>
+      </p:sp>
+      <p:sp>
+        <p:nvSpPr>
+          <p:cNvPr id="14" name="Text Box 13"/>
+          <p:cNvSpPr txBox="1"/>
+          <p:nvPr/>
+        </p:nvSpPr>
+        <p:spPr>
+          <a:xfrm>
+            <a:off x="7343775" y="3514725"/>
+            <a:ext cx="3628390" cy="914400"/>
+          </a:xfrm>
+          <a:prstGeom prst="rect">
+            <a:avLst/>
+          </a:prstGeom>
+          <a:noFill/>
+        </p:spPr>
+        <p:txBody>
+          <a:bodyPr wrap="square" rtlCol="0">
+            <a:spAutoFit/>
+          </a:bodyPr>
+          <a:p>
+            <a:r>
+              <a:rPr lang="en-US"/>
+              <a:t>change the structure of DOM, such as ngIf to remove or insert DOM element.</a:t>
+            </a:r>
+            <a:endParaRPr lang="en-US"/>
+          </a:p>
+        </p:txBody>
+      </p:sp>
+    </p:spTree>
+  </p:cSld>
+  <p:clrMapOvr>
+    <a:masterClrMapping/>
+  </p:clrMapOvr>
+</p:sld>
+</file>
+
+<file path=ppt/slides/slide14.xml><?xml version="1.0" encoding="utf-8"?>
+<p:sld xmlns:a="http://schemas.openxmlformats.org/drawingml/2006/main" xmlns:r="http://schemas.openxmlformats.org/officeDocument/2006/relationships" xmlns:p="http://schemas.openxmlformats.org/presentationml/2006/main">
+  <p:cSld>
+    <p:spTree>
+      <p:nvGrpSpPr>
+        <p:cNvPr id="1" name=""/>
+        <p:cNvGrpSpPr/>
+        <p:nvPr/>
+      </p:nvGrpSpPr>
       <p:grpSpPr>
         <a:xfrm>
           <a:off x="0" y="0"/>
@@ -39564,7 +39999,7 @@
           <a:p>
             <a:r>
               <a:rPr lang="en-US" altLang="zh-CN"/>
-              <a:t>MVC--Controller</a:t>
+              <a:t>Directive</a:t>
             </a:r>
             <a:endParaRPr lang="en-US" altLang="zh-CN"/>
           </a:p>
@@ -40074,115 +40509,6 @@
 </p:sld>
 </file>
 
-<file path=ppt/slides/slide14.xml><?xml version="1.0" encoding="utf-8"?>
-<p:sld xmlns:a="http://schemas.openxmlformats.org/drawingml/2006/main" xmlns:r="http://schemas.openxmlformats.org/officeDocument/2006/relationships" xmlns:p="http://schemas.openxmlformats.org/presentationml/2006/main">
-  <p:cSld>
-    <p:spTree>
-      <p:nvGrpSpPr>
-        <p:cNvPr id="1" name=""/>
-        <p:cNvGrpSpPr/>
-        <p:nvPr/>
-      </p:nvGrpSpPr>
-      <p:grpSpPr>
-        <a:xfrm>
-          <a:off x="0" y="0"/>
-          <a:ext cx="0" cy="0"/>
-          <a:chOff x="0" y="0"/>
-          <a:chExt cx="0" cy="0"/>
-        </a:xfrm>
-      </p:grpSpPr>
-      <p:sp>
-        <p:nvSpPr>
-          <p:cNvPr id="2" name="Title 1"/>
-          <p:cNvSpPr>
-            <a:spLocks noGrp="1"/>
-          </p:cNvSpPr>
-          <p:nvPr>
-            <p:ph type="title"/>
-          </p:nvPr>
-        </p:nvSpPr>
-        <p:spPr/>
-        <p:txBody>
-          <a:bodyPr/>
-          <a:lstStyle/>
-          <a:p>
-            <a:r>
-              <a:rPr lang="en-US"/>
-              <a:t>Rules of Controller</a:t>
-            </a:r>
-            <a:endParaRPr lang="en-US"/>
-          </a:p>
-        </p:txBody>
-      </p:sp>
-      <p:sp>
-        <p:nvSpPr>
-          <p:cNvPr id="3" name="Content Placeholder 2"/>
-          <p:cNvSpPr>
-            <a:spLocks noGrp="1"/>
-          </p:cNvSpPr>
-          <p:nvPr>
-            <p:ph idx="1"/>
-          </p:nvPr>
-        </p:nvSpPr>
-        <p:spPr/>
-        <p:txBody>
-          <a:bodyPr/>
-          <a:lstStyle/>
-          <a:p>
-            <a:r>
-              <a:rPr lang="en-US"/>
-              <a:t>1. One controller is responsible for an area of a page, don't try to re-use a controller.</a:t>
-            </a:r>
-            <a:endParaRPr lang="en-US"/>
-          </a:p>
-          <a:p>
-            <a:r>
-              <a:rPr lang="en-US"/>
-              <a:t>2. Controller is not responsile for handling DOM, it's not controller's responsibility. Directive can do this.</a:t>
-            </a:r>
-            <a:endParaRPr lang="en-US"/>
-          </a:p>
-          <a:p>
-            <a:r>
-              <a:rPr lang="en-US"/>
-              <a:t>3. Don't format data in controller, ng has many form control elements can do this.</a:t>
-            </a:r>
-            <a:endParaRPr lang="en-US"/>
-          </a:p>
-          <a:p>
-            <a:r>
-              <a:rPr lang="en-US"/>
-              <a:t>4. don't filter data in Controller, $filter service can do this.</a:t>
-            </a:r>
-            <a:endParaRPr lang="en-US"/>
-          </a:p>
-          <a:p>
-            <a:endParaRPr lang="en-US"/>
-          </a:p>
-          <a:p>
-            <a:r>
-              <a:rPr lang="en-US"/>
-              <a:t>5. Controller don't call each other, do it via scopt or event.</a:t>
-            </a:r>
-            <a:endParaRPr lang="en-US"/>
-          </a:p>
-        </p:txBody>
-      </p:sp>
-    </p:spTree>
-  </p:cSld>
-  <p:clrMapOvr>
-    <a:masterClrMapping/>
-  </p:clrMapOvr>
-  <p:timing>
-    <p:tnLst>
-      <p:par>
-        <p:cTn id="1" dur="indefinite" restart="never" nodeType="tmRoot"/>
-      </p:par>
-    </p:tnLst>
-  </p:timing>
-</p:sld>
-</file>
-
 <file path=ppt/slides/slide15.xml><?xml version="1.0" encoding="utf-8"?>
 <p:sld xmlns:a="http://schemas.openxmlformats.org/drawingml/2006/main" xmlns:r="http://schemas.openxmlformats.org/officeDocument/2006/relationships" xmlns:p="http://schemas.openxmlformats.org/presentationml/2006/main">
   <p:cSld>
@@ -40202,15 +40528,12 @@
       </p:grpSpPr>
       <p:sp>
         <p:nvSpPr>
-          <p:cNvPr id="3" name="标题 2"/>
+          <p:cNvPr id="2" name="Title 1"/>
           <p:cNvSpPr>
             <a:spLocks noGrp="1"/>
           </p:cNvSpPr>
           <p:nvPr>
             <p:ph type="title"/>
-            <p:custDataLst>
-              <p:tags r:id="rId1"/>
-            </p:custDataLst>
           </p:nvPr>
         </p:nvSpPr>
         <p:spPr/>
@@ -40219,24 +40542,21 @@
           <a:lstStyle/>
           <a:p>
             <a:r>
-              <a:rPr lang="en-US" altLang="zh-CN" dirty="0"/>
-              <a:t>Module</a:t>
-            </a:r>
-            <a:endParaRPr lang="en-US" altLang="zh-CN" dirty="0"/>
-          </a:p>
-        </p:txBody>
-      </p:sp>
-      <p:sp>
-        <p:nvSpPr>
-          <p:cNvPr id="4" name="内容占位符 3"/>
+              <a:rPr lang="en-US"/>
+              <a:t>Rules of Controller</a:t>
+            </a:r>
+            <a:endParaRPr lang="en-US"/>
+          </a:p>
+        </p:txBody>
+      </p:sp>
+      <p:sp>
+        <p:nvSpPr>
+          <p:cNvPr id="3" name="Content Placeholder 2"/>
           <p:cNvSpPr>
             <a:spLocks noGrp="1"/>
           </p:cNvSpPr>
           <p:nvPr>
             <p:ph idx="1"/>
-            <p:custDataLst>
-              <p:tags r:id="rId2"/>
-            </p:custDataLst>
           </p:nvPr>
         </p:nvSpPr>
         <p:spPr/>
@@ -40244,611 +40564,46 @@
           <a:bodyPr/>
           <a:lstStyle/>
           <a:p>
-            <a:pPr algn="ctr">
-              <a:lnSpc>
-                <a:spcPct val="150000"/>
-              </a:lnSpc>
-            </a:pPr>
-            <a:r>
-              <a:rPr lang="en-US" dirty="0"/>
-              <a:t>Modules are containers</a:t>
-            </a:r>
-            <a:endParaRPr lang="en-US" dirty="0"/>
-          </a:p>
-          <a:p>
-            <a:pPr algn="ctr">
-              <a:lnSpc>
-                <a:spcPct val="150000"/>
-              </a:lnSpc>
-            </a:pPr>
-            <a:r>
-              <a:rPr lang="en-US" dirty="0"/>
-              <a:t>&lt;html ng-app=”moduleName”&gt;</a:t>
-            </a:r>
-            <a:endParaRPr lang="en-US" dirty="0"/>
-          </a:p>
-          <a:p>
-            <a:pPr algn="ctr">
-              <a:lnSpc>
-                <a:spcPct val="150000"/>
-              </a:lnSpc>
-            </a:pPr>
-            <a:endParaRPr lang="en-US" dirty="0"/>
-          </a:p>
-        </p:txBody>
-      </p:sp>
-      <p:sp>
-        <p:nvSpPr>
-          <p:cNvPr id="2" name="流程图: 过程 1"/>
-          <p:cNvSpPr/>
-          <p:nvPr/>
-        </p:nvSpPr>
-        <p:spPr>
-          <a:xfrm>
-            <a:off x="1303020" y="2902585"/>
-            <a:ext cx="9255760" cy="602615"/>
-          </a:xfrm>
-          <a:prstGeom prst="flowChartProcess">
-            <a:avLst/>
-          </a:prstGeom>
-        </p:spPr>
-        <p:style>
-          <a:lnRef idx="2">
-            <a:schemeClr val="accent1">
-              <a:shade val="50000"/>
-            </a:schemeClr>
-          </a:lnRef>
-          <a:fillRef idx="1">
-            <a:schemeClr val="accent1"/>
-          </a:fillRef>
-          <a:effectRef idx="0">
-            <a:schemeClr val="accent1"/>
-          </a:effectRef>
-          <a:fontRef idx="minor">
-            <a:schemeClr val="lt1"/>
-          </a:fontRef>
-        </p:style>
-        <p:txBody>
-          <a:bodyPr rtlCol="0" anchor="ctr"/>
-          <a:lstStyle/>
-          <a:p>
-            <a:pPr algn="ctr"/>
-            <a:r>
-              <a:rPr lang="en-US" altLang="zh-CN"/>
-              <a:t>Module</a:t>
-            </a:r>
-            <a:endParaRPr lang="en-US" altLang="zh-CN"/>
-          </a:p>
-        </p:txBody>
-      </p:sp>
-      <p:sp>
-        <p:nvSpPr>
-          <p:cNvPr id="5" name="流程图: 过程 4"/>
-          <p:cNvSpPr/>
-          <p:nvPr/>
-        </p:nvSpPr>
-        <p:spPr>
-          <a:xfrm>
-            <a:off x="1303020" y="4026535"/>
-            <a:ext cx="1139190" cy="514350"/>
-          </a:xfrm>
-          <a:prstGeom prst="flowChartProcess">
-            <a:avLst/>
-          </a:prstGeom>
-        </p:spPr>
-        <p:style>
-          <a:lnRef idx="2">
-            <a:schemeClr val="accent1">
-              <a:shade val="50000"/>
-            </a:schemeClr>
-          </a:lnRef>
-          <a:fillRef idx="1">
-            <a:schemeClr val="accent1"/>
-          </a:fillRef>
-          <a:effectRef idx="0">
-            <a:schemeClr val="accent1"/>
-          </a:effectRef>
-          <a:fontRef idx="minor">
-            <a:schemeClr val="lt1"/>
-          </a:fontRef>
-        </p:style>
-        <p:txBody>
-          <a:bodyPr rtlCol="0" anchor="ctr"/>
-          <a:lstStyle/>
-          <a:p>
-            <a:pPr algn="ctr"/>
+            <a:r>
+              <a:rPr lang="en-US"/>
+              <a:t>1. One controller is responsible for an area of a page, don't try to re-use a controller.</a:t>
+            </a:r>
             <a:endParaRPr lang="en-US"/>
           </a:p>
-        </p:txBody>
-      </p:sp>
-      <p:sp>
-        <p:nvSpPr>
-          <p:cNvPr id="6" name="流程图: 过程 5"/>
-          <p:cNvSpPr/>
-          <p:nvPr/>
-        </p:nvSpPr>
-        <p:spPr>
-          <a:xfrm>
-            <a:off x="3102610" y="4026535"/>
-            <a:ext cx="1139190" cy="514350"/>
-          </a:xfrm>
-          <a:prstGeom prst="flowChartProcess">
-            <a:avLst/>
-          </a:prstGeom>
-        </p:spPr>
-        <p:style>
-          <a:lnRef idx="2">
-            <a:schemeClr val="accent1">
-              <a:shade val="50000"/>
-            </a:schemeClr>
-          </a:lnRef>
-          <a:fillRef idx="1">
-            <a:schemeClr val="accent1"/>
-          </a:fillRef>
-          <a:effectRef idx="0">
-            <a:schemeClr val="accent1"/>
-          </a:effectRef>
-          <a:fontRef idx="minor">
-            <a:schemeClr val="lt1"/>
-          </a:fontRef>
-        </p:style>
-        <p:txBody>
-          <a:bodyPr rtlCol="0" anchor="ctr"/>
-          <a:lstStyle/>
-          <a:p>
-            <a:pPr algn="ctr"/>
-            <a:r>
-              <a:rPr lang="en-US" altLang="zh-CN"/>
-              <a:t>Filter</a:t>
-            </a:r>
-            <a:endParaRPr lang="en-US" altLang="zh-CN"/>
-          </a:p>
-        </p:txBody>
-      </p:sp>
-      <p:sp>
-        <p:nvSpPr>
-          <p:cNvPr id="7" name="流程图: 过程 6"/>
-          <p:cNvSpPr/>
-          <p:nvPr/>
-        </p:nvSpPr>
-        <p:spPr>
-          <a:xfrm>
-            <a:off x="5132070" y="4026535"/>
-            <a:ext cx="1139190" cy="514350"/>
-          </a:xfrm>
-          <a:prstGeom prst="flowChartProcess">
-            <a:avLst/>
-          </a:prstGeom>
-        </p:spPr>
-        <p:style>
-          <a:lnRef idx="2">
-            <a:schemeClr val="accent1">
-              <a:shade val="50000"/>
-            </a:schemeClr>
-          </a:lnRef>
-          <a:fillRef idx="1">
-            <a:schemeClr val="accent1"/>
-          </a:fillRef>
-          <a:effectRef idx="0">
-            <a:schemeClr val="accent1"/>
-          </a:effectRef>
-          <a:fontRef idx="minor">
-            <a:schemeClr val="lt1"/>
-          </a:fontRef>
-        </p:style>
-        <p:txBody>
-          <a:bodyPr rtlCol="0" anchor="ctr"/>
-          <a:lstStyle/>
-          <a:p>
-            <a:pPr algn="ctr"/>
-            <a:r>
-              <a:rPr lang="en-US" altLang="zh-CN"/>
-              <a:t>Directive</a:t>
-            </a:r>
-            <a:endParaRPr lang="en-US" altLang="zh-CN"/>
-          </a:p>
-        </p:txBody>
-      </p:sp>
-      <p:sp>
-        <p:nvSpPr>
-          <p:cNvPr id="8" name="流程图: 过程 7"/>
-          <p:cNvSpPr/>
-          <p:nvPr/>
-        </p:nvSpPr>
-        <p:spPr>
-          <a:xfrm>
-            <a:off x="7275830" y="4026535"/>
-            <a:ext cx="1139190" cy="514350"/>
-          </a:xfrm>
-          <a:prstGeom prst="flowChartProcess">
-            <a:avLst/>
-          </a:prstGeom>
-        </p:spPr>
-        <p:style>
-          <a:lnRef idx="2">
-            <a:schemeClr val="accent1">
-              <a:shade val="50000"/>
-            </a:schemeClr>
-          </a:lnRef>
-          <a:fillRef idx="1">
-            <a:schemeClr val="accent1"/>
-          </a:fillRef>
-          <a:effectRef idx="0">
-            <a:schemeClr val="accent1"/>
-          </a:effectRef>
-          <a:fontRef idx="minor">
-            <a:schemeClr val="lt1"/>
-          </a:fontRef>
-        </p:style>
-        <p:txBody>
-          <a:bodyPr rtlCol="0" anchor="ctr"/>
-          <a:lstStyle/>
-          <a:p>
-            <a:pPr algn="ctr"/>
-            <a:r>
-              <a:rPr lang="en-US" altLang="zh-CN"/>
-              <a:t>Factory</a:t>
-            </a:r>
-            <a:endParaRPr lang="en-US" altLang="zh-CN"/>
-          </a:p>
-        </p:txBody>
-      </p:sp>
-      <p:sp>
-        <p:nvSpPr>
-          <p:cNvPr id="9" name="流程图: 过程 8"/>
-          <p:cNvSpPr/>
-          <p:nvPr/>
-        </p:nvSpPr>
-        <p:spPr>
-          <a:xfrm>
-            <a:off x="9353550" y="4026535"/>
-            <a:ext cx="1205230" cy="514350"/>
-          </a:xfrm>
-          <a:prstGeom prst="flowChartProcess">
-            <a:avLst/>
-          </a:prstGeom>
-        </p:spPr>
-        <p:style>
-          <a:lnRef idx="2">
-            <a:schemeClr val="accent1">
-              <a:shade val="50000"/>
-            </a:schemeClr>
-          </a:lnRef>
-          <a:fillRef idx="1">
-            <a:schemeClr val="accent1"/>
-          </a:fillRef>
-          <a:effectRef idx="0">
-            <a:schemeClr val="accent1"/>
-          </a:effectRef>
-          <a:fontRef idx="minor">
-            <a:schemeClr val="lt1"/>
-          </a:fontRef>
-        </p:style>
-        <p:txBody>
-          <a:bodyPr rtlCol="0" anchor="ctr"/>
-          <a:lstStyle/>
-          <a:p>
-            <a:pPr algn="ctr"/>
-            <a:r>
-              <a:rPr lang="en-US" altLang="zh-CN"/>
-              <a:t>Controller</a:t>
-            </a:r>
-            <a:endParaRPr lang="en-US" altLang="zh-CN"/>
-          </a:p>
-        </p:txBody>
-      </p:sp>
-      <p:sp>
-        <p:nvSpPr>
-          <p:cNvPr id="10" name="流程图: 过程 9"/>
-          <p:cNvSpPr/>
-          <p:nvPr/>
-        </p:nvSpPr>
-        <p:spPr>
-          <a:xfrm>
-            <a:off x="1303020" y="4896485"/>
-            <a:ext cx="1139190" cy="514350"/>
-          </a:xfrm>
-          <a:prstGeom prst="flowChartProcess">
-            <a:avLst/>
-          </a:prstGeom>
-        </p:spPr>
-        <p:style>
-          <a:lnRef idx="2">
-            <a:schemeClr val="accent1">
-              <a:shade val="50000"/>
-            </a:schemeClr>
-          </a:lnRef>
-          <a:fillRef idx="1">
-            <a:schemeClr val="accent1"/>
-          </a:fillRef>
-          <a:effectRef idx="0">
-            <a:schemeClr val="accent1"/>
-          </a:effectRef>
-          <a:fontRef idx="minor">
-            <a:schemeClr val="lt1"/>
-          </a:fontRef>
-        </p:style>
-        <p:txBody>
-          <a:bodyPr rtlCol="0" anchor="ctr"/>
-          <a:lstStyle/>
-          <a:p>
-            <a:pPr algn="ctr"/>
-            <a:r>
-              <a:rPr lang="en-US" altLang="zh-CN"/>
-              <a:t>Routes</a:t>
-            </a:r>
-            <a:endParaRPr lang="en-US" altLang="zh-CN"/>
-          </a:p>
-        </p:txBody>
-      </p:sp>
-      <p:sp>
-        <p:nvSpPr>
-          <p:cNvPr id="11" name="流程图: 过程 10"/>
-          <p:cNvSpPr/>
-          <p:nvPr/>
-        </p:nvSpPr>
-        <p:spPr>
-          <a:xfrm>
-            <a:off x="7275830" y="4678680"/>
-            <a:ext cx="1139190" cy="514350"/>
-          </a:xfrm>
-          <a:prstGeom prst="flowChartProcess">
-            <a:avLst/>
-          </a:prstGeom>
-        </p:spPr>
-        <p:style>
-          <a:lnRef idx="2">
-            <a:schemeClr val="accent1">
-              <a:shade val="50000"/>
-            </a:schemeClr>
-          </a:lnRef>
-          <a:fillRef idx="1">
-            <a:schemeClr val="accent1"/>
-          </a:fillRef>
-          <a:effectRef idx="0">
-            <a:schemeClr val="accent1"/>
-          </a:effectRef>
-          <a:fontRef idx="minor">
-            <a:schemeClr val="lt1"/>
-          </a:fontRef>
-        </p:style>
-        <p:txBody>
-          <a:bodyPr rtlCol="0" anchor="ctr"/>
-          <a:lstStyle/>
-          <a:p>
-            <a:pPr algn="ctr"/>
-            <a:r>
-              <a:rPr lang="en-US" altLang="zh-CN"/>
-              <a:t>Service</a:t>
-            </a:r>
-            <a:endParaRPr lang="en-US" altLang="zh-CN"/>
-          </a:p>
-        </p:txBody>
-      </p:sp>
-      <p:sp>
-        <p:nvSpPr>
-          <p:cNvPr id="12" name="流程图: 过程 11"/>
-          <p:cNvSpPr/>
-          <p:nvPr/>
-        </p:nvSpPr>
-        <p:spPr>
-          <a:xfrm>
-            <a:off x="7275830" y="5314950"/>
-            <a:ext cx="1139190" cy="514350"/>
-          </a:xfrm>
-          <a:prstGeom prst="flowChartProcess">
-            <a:avLst/>
-          </a:prstGeom>
-        </p:spPr>
-        <p:style>
-          <a:lnRef idx="2">
-            <a:schemeClr val="accent1">
-              <a:shade val="50000"/>
-            </a:schemeClr>
-          </a:lnRef>
-          <a:fillRef idx="1">
-            <a:schemeClr val="accent1"/>
-          </a:fillRef>
-          <a:effectRef idx="0">
-            <a:schemeClr val="accent1"/>
-          </a:effectRef>
-          <a:fontRef idx="minor">
-            <a:schemeClr val="lt1"/>
-          </a:fontRef>
-        </p:style>
-        <p:txBody>
-          <a:bodyPr rtlCol="0" anchor="ctr"/>
-          <a:lstStyle/>
-          <a:p>
-            <a:pPr algn="ctr"/>
-            <a:r>
-              <a:rPr lang="en-US" altLang="zh-CN"/>
-              <a:t>Provider</a:t>
-            </a:r>
-            <a:endParaRPr lang="en-US" altLang="zh-CN"/>
-          </a:p>
-        </p:txBody>
-      </p:sp>
-      <p:sp>
-        <p:nvSpPr>
-          <p:cNvPr id="13" name="流程图: 过程 12"/>
-          <p:cNvSpPr/>
-          <p:nvPr/>
-        </p:nvSpPr>
-        <p:spPr>
-          <a:xfrm>
-            <a:off x="7275830" y="5923915"/>
-            <a:ext cx="1139190" cy="514350"/>
-          </a:xfrm>
-          <a:prstGeom prst="flowChartProcess">
-            <a:avLst/>
-          </a:prstGeom>
-        </p:spPr>
-        <p:style>
-          <a:lnRef idx="2">
-            <a:schemeClr val="accent1">
-              <a:shade val="50000"/>
-            </a:schemeClr>
-          </a:lnRef>
-          <a:fillRef idx="1">
-            <a:schemeClr val="accent1"/>
-          </a:fillRef>
-          <a:effectRef idx="0">
-            <a:schemeClr val="accent1"/>
-          </a:effectRef>
-          <a:fontRef idx="minor">
-            <a:schemeClr val="lt1"/>
-          </a:fontRef>
-        </p:style>
-        <p:txBody>
-          <a:bodyPr rtlCol="0" anchor="ctr"/>
-          <a:lstStyle/>
-          <a:p>
-            <a:pPr algn="ctr"/>
-            <a:r>
-              <a:rPr lang="en-US" altLang="zh-CN"/>
-              <a:t>Value</a:t>
-            </a:r>
-            <a:endParaRPr lang="en-US" altLang="zh-CN"/>
-          </a:p>
-        </p:txBody>
-      </p:sp>
-      <p:sp>
-        <p:nvSpPr>
-          <p:cNvPr id="14" name="流程图: 过程 13"/>
-          <p:cNvSpPr/>
-          <p:nvPr/>
-        </p:nvSpPr>
-        <p:spPr>
-          <a:xfrm>
-            <a:off x="1316990" y="4026535"/>
-            <a:ext cx="1139190" cy="514350"/>
-          </a:xfrm>
-          <a:prstGeom prst="flowChartProcess">
-            <a:avLst/>
-          </a:prstGeom>
-        </p:spPr>
-        <p:style>
-          <a:lnRef idx="2">
-            <a:schemeClr val="accent1">
-              <a:shade val="50000"/>
-            </a:schemeClr>
-          </a:lnRef>
-          <a:fillRef idx="1">
-            <a:schemeClr val="accent1"/>
-          </a:fillRef>
-          <a:effectRef idx="0">
-            <a:schemeClr val="accent1"/>
-          </a:effectRef>
-          <a:fontRef idx="minor">
-            <a:schemeClr val="lt1"/>
-          </a:fontRef>
-        </p:style>
-        <p:txBody>
-          <a:bodyPr rtlCol="0" anchor="ctr"/>
-          <a:lstStyle/>
-          <a:p>
-            <a:pPr algn="ctr"/>
+          <a:p>
             <a:r>
               <a:rPr lang="en-US"/>
-              <a:t>Config</a:t>
+              <a:t>2. Controller is not responsile for handling DOM, it's not controller's responsibility. Directive can do this.</a:t>
             </a:r>
             <a:endParaRPr lang="en-US"/>
           </a:p>
-        </p:txBody>
-      </p:sp>
-      <p:sp>
-        <p:nvSpPr>
-          <p:cNvPr id="15" name="流程图: 过程 14"/>
-          <p:cNvSpPr/>
-          <p:nvPr/>
-        </p:nvSpPr>
-        <p:spPr>
-          <a:xfrm>
-            <a:off x="3116580" y="4026535"/>
-            <a:ext cx="1139190" cy="514350"/>
-          </a:xfrm>
-          <a:prstGeom prst="flowChartProcess">
-            <a:avLst/>
-          </a:prstGeom>
-        </p:spPr>
-        <p:style>
-          <a:lnRef idx="2">
-            <a:schemeClr val="accent1">
-              <a:shade val="50000"/>
-            </a:schemeClr>
-          </a:lnRef>
-          <a:fillRef idx="1">
-            <a:schemeClr val="accent1"/>
-          </a:fillRef>
-          <a:effectRef idx="0">
-            <a:schemeClr val="accent1"/>
-          </a:effectRef>
-          <a:fontRef idx="minor">
-            <a:schemeClr val="lt1"/>
-          </a:fontRef>
-        </p:style>
-        <p:txBody>
-          <a:bodyPr rtlCol="0" anchor="ctr"/>
-          <a:lstStyle/>
-          <a:p>
-            <a:pPr algn="ctr"/>
-            <a:r>
-              <a:rPr lang="en-US" altLang="zh-CN"/>
-              <a:t>Filter</a:t>
-            </a:r>
-            <a:endParaRPr lang="en-US" altLang="zh-CN"/>
-          </a:p>
-        </p:txBody>
-      </p:sp>
-      <p:sp>
-        <p:nvSpPr>
-          <p:cNvPr id="16" name="流程图: 过程 15"/>
-          <p:cNvSpPr/>
-          <p:nvPr/>
-        </p:nvSpPr>
-        <p:spPr>
-          <a:xfrm>
-            <a:off x="5146040" y="4026535"/>
-            <a:ext cx="1139190" cy="514350"/>
-          </a:xfrm>
-          <a:prstGeom prst="flowChartProcess">
-            <a:avLst/>
-          </a:prstGeom>
-        </p:spPr>
-        <p:style>
-          <a:lnRef idx="2">
-            <a:schemeClr val="accent1">
-              <a:shade val="50000"/>
-            </a:schemeClr>
-          </a:lnRef>
-          <a:fillRef idx="1">
-            <a:schemeClr val="accent1"/>
-          </a:fillRef>
-          <a:effectRef idx="0">
-            <a:schemeClr val="accent1"/>
-          </a:effectRef>
-          <a:fontRef idx="minor">
-            <a:schemeClr val="lt1"/>
-          </a:fontRef>
-        </p:style>
-        <p:txBody>
-          <a:bodyPr rtlCol="0" anchor="ctr"/>
-          <a:lstStyle/>
-          <a:p>
-            <a:pPr algn="ctr"/>
-            <a:r>
-              <a:rPr lang="en-US" altLang="zh-CN"/>
-              <a:t>Directive</a:t>
-            </a:r>
-            <a:endParaRPr lang="en-US" altLang="zh-CN"/>
+          <a:p>
+            <a:r>
+              <a:rPr lang="en-US"/>
+              <a:t>3. Don't format data in controller, ng has many form control elements can do this.</a:t>
+            </a:r>
+            <a:endParaRPr lang="en-US"/>
+          </a:p>
+          <a:p>
+            <a:r>
+              <a:rPr lang="en-US"/>
+              <a:t>4. don't filter data in Controller, $filter service can do this.</a:t>
+            </a:r>
+            <a:endParaRPr lang="en-US"/>
+          </a:p>
+          <a:p>
+            <a:endParaRPr lang="en-US"/>
+          </a:p>
+          <a:p>
+            <a:r>
+              <a:rPr lang="en-US"/>
+              <a:t>5. Controller don't call each other, do it via scopt or event.</a:t>
+            </a:r>
+            <a:endParaRPr lang="en-US"/>
           </a:p>
         </p:txBody>
       </p:sp>
     </p:spTree>
-    <p:custDataLst>
-      <p:tags r:id="rId3"/>
-    </p:custDataLst>
   </p:cSld>
   <p:clrMapOvr>
     <a:masterClrMapping/>
@@ -40882,12 +40637,15 @@
       </p:grpSpPr>
       <p:sp>
         <p:nvSpPr>
-          <p:cNvPr id="2" name="Title 1"/>
+          <p:cNvPr id="3" name="标题 2"/>
           <p:cNvSpPr>
             <a:spLocks noGrp="1"/>
           </p:cNvSpPr>
           <p:nvPr>
             <p:ph type="title"/>
+            <p:custDataLst>
+              <p:tags r:id="rId1"/>
+            </p:custDataLst>
           </p:nvPr>
         </p:nvSpPr>
         <p:spPr/>
@@ -40896,8 +40654,539 @@
           <a:lstStyle/>
           <a:p>
             <a:r>
+              <a:rPr lang="en-US" altLang="zh-CN" dirty="0"/>
+              <a:t>Module</a:t>
+            </a:r>
+            <a:endParaRPr lang="en-US" altLang="zh-CN" dirty="0"/>
+          </a:p>
+        </p:txBody>
+      </p:sp>
+      <p:sp>
+        <p:nvSpPr>
+          <p:cNvPr id="4" name="内容占位符 3"/>
+          <p:cNvSpPr>
+            <a:spLocks noGrp="1"/>
+          </p:cNvSpPr>
+          <p:nvPr>
+            <p:ph idx="1"/>
+            <p:custDataLst>
+              <p:tags r:id="rId2"/>
+            </p:custDataLst>
+          </p:nvPr>
+        </p:nvSpPr>
+        <p:spPr/>
+        <p:txBody>
+          <a:bodyPr/>
+          <a:lstStyle/>
+          <a:p>
+            <a:pPr algn="ctr">
+              <a:lnSpc>
+                <a:spcPct val="150000"/>
+              </a:lnSpc>
+            </a:pPr>
+            <a:r>
+              <a:rPr lang="en-US" dirty="0"/>
+              <a:t>Modules are containers</a:t>
+            </a:r>
+            <a:endParaRPr lang="en-US" dirty="0"/>
+          </a:p>
+          <a:p>
+            <a:pPr algn="ctr">
+              <a:lnSpc>
+                <a:spcPct val="150000"/>
+              </a:lnSpc>
+            </a:pPr>
+            <a:r>
+              <a:rPr lang="en-US" dirty="0"/>
+              <a:t>&lt;html ng-app=”moduleName”&gt;</a:t>
+            </a:r>
+            <a:endParaRPr lang="en-US" dirty="0"/>
+          </a:p>
+          <a:p>
+            <a:pPr algn="ctr">
+              <a:lnSpc>
+                <a:spcPct val="150000"/>
+              </a:lnSpc>
+            </a:pPr>
+            <a:endParaRPr lang="en-US" dirty="0"/>
+          </a:p>
+        </p:txBody>
+      </p:sp>
+      <p:sp>
+        <p:nvSpPr>
+          <p:cNvPr id="2" name="流程图: 过程 1"/>
+          <p:cNvSpPr/>
+          <p:nvPr/>
+        </p:nvSpPr>
+        <p:spPr>
+          <a:xfrm>
+            <a:off x="1303020" y="2902585"/>
+            <a:ext cx="9255760" cy="602615"/>
+          </a:xfrm>
+          <a:prstGeom prst="flowChartProcess">
+            <a:avLst/>
+          </a:prstGeom>
+        </p:spPr>
+        <p:style>
+          <a:lnRef idx="2">
+            <a:schemeClr val="accent1">
+              <a:shade val="50000"/>
+            </a:schemeClr>
+          </a:lnRef>
+          <a:fillRef idx="1">
+            <a:schemeClr val="accent1"/>
+          </a:fillRef>
+          <a:effectRef idx="0">
+            <a:schemeClr val="accent1"/>
+          </a:effectRef>
+          <a:fontRef idx="minor">
+            <a:schemeClr val="lt1"/>
+          </a:fontRef>
+        </p:style>
+        <p:txBody>
+          <a:bodyPr rtlCol="0" anchor="ctr"/>
+          <a:lstStyle/>
+          <a:p>
+            <a:pPr algn="ctr"/>
+            <a:r>
+              <a:rPr lang="en-US" altLang="zh-CN"/>
+              <a:t>Module</a:t>
+            </a:r>
+            <a:endParaRPr lang="en-US" altLang="zh-CN"/>
+          </a:p>
+        </p:txBody>
+      </p:sp>
+      <p:sp>
+        <p:nvSpPr>
+          <p:cNvPr id="5" name="流程图: 过程 4"/>
+          <p:cNvSpPr/>
+          <p:nvPr/>
+        </p:nvSpPr>
+        <p:spPr>
+          <a:xfrm>
+            <a:off x="1303020" y="4026535"/>
+            <a:ext cx="1139190" cy="514350"/>
+          </a:xfrm>
+          <a:prstGeom prst="flowChartProcess">
+            <a:avLst/>
+          </a:prstGeom>
+        </p:spPr>
+        <p:style>
+          <a:lnRef idx="2">
+            <a:schemeClr val="accent1">
+              <a:shade val="50000"/>
+            </a:schemeClr>
+          </a:lnRef>
+          <a:fillRef idx="1">
+            <a:schemeClr val="accent1"/>
+          </a:fillRef>
+          <a:effectRef idx="0">
+            <a:schemeClr val="accent1"/>
+          </a:effectRef>
+          <a:fontRef idx="minor">
+            <a:schemeClr val="lt1"/>
+          </a:fontRef>
+        </p:style>
+        <p:txBody>
+          <a:bodyPr rtlCol="0" anchor="ctr"/>
+          <a:lstStyle/>
+          <a:p>
+            <a:pPr algn="ctr"/>
+            <a:endParaRPr lang="en-US"/>
+          </a:p>
+        </p:txBody>
+      </p:sp>
+      <p:sp>
+        <p:nvSpPr>
+          <p:cNvPr id="6" name="流程图: 过程 5"/>
+          <p:cNvSpPr/>
+          <p:nvPr/>
+        </p:nvSpPr>
+        <p:spPr>
+          <a:xfrm>
+            <a:off x="3102610" y="4026535"/>
+            <a:ext cx="1139190" cy="514350"/>
+          </a:xfrm>
+          <a:prstGeom prst="flowChartProcess">
+            <a:avLst/>
+          </a:prstGeom>
+        </p:spPr>
+        <p:style>
+          <a:lnRef idx="2">
+            <a:schemeClr val="accent1">
+              <a:shade val="50000"/>
+            </a:schemeClr>
+          </a:lnRef>
+          <a:fillRef idx="1">
+            <a:schemeClr val="accent1"/>
+          </a:fillRef>
+          <a:effectRef idx="0">
+            <a:schemeClr val="accent1"/>
+          </a:effectRef>
+          <a:fontRef idx="minor">
+            <a:schemeClr val="lt1"/>
+          </a:fontRef>
+        </p:style>
+        <p:txBody>
+          <a:bodyPr rtlCol="0" anchor="ctr"/>
+          <a:lstStyle/>
+          <a:p>
+            <a:pPr algn="ctr"/>
+            <a:r>
+              <a:rPr lang="en-US" altLang="zh-CN"/>
+              <a:t>Filter</a:t>
+            </a:r>
+            <a:endParaRPr lang="en-US" altLang="zh-CN"/>
+          </a:p>
+        </p:txBody>
+      </p:sp>
+      <p:sp>
+        <p:nvSpPr>
+          <p:cNvPr id="7" name="流程图: 过程 6"/>
+          <p:cNvSpPr/>
+          <p:nvPr/>
+        </p:nvSpPr>
+        <p:spPr>
+          <a:xfrm>
+            <a:off x="5132070" y="4026535"/>
+            <a:ext cx="1139190" cy="514350"/>
+          </a:xfrm>
+          <a:prstGeom prst="flowChartProcess">
+            <a:avLst/>
+          </a:prstGeom>
+        </p:spPr>
+        <p:style>
+          <a:lnRef idx="2">
+            <a:schemeClr val="accent1">
+              <a:shade val="50000"/>
+            </a:schemeClr>
+          </a:lnRef>
+          <a:fillRef idx="1">
+            <a:schemeClr val="accent1"/>
+          </a:fillRef>
+          <a:effectRef idx="0">
+            <a:schemeClr val="accent1"/>
+          </a:effectRef>
+          <a:fontRef idx="minor">
+            <a:schemeClr val="lt1"/>
+          </a:fontRef>
+        </p:style>
+        <p:txBody>
+          <a:bodyPr rtlCol="0" anchor="ctr"/>
+          <a:lstStyle/>
+          <a:p>
+            <a:pPr algn="ctr"/>
+            <a:r>
+              <a:rPr lang="en-US" altLang="zh-CN"/>
+              <a:t>Directive</a:t>
+            </a:r>
+            <a:endParaRPr lang="en-US" altLang="zh-CN"/>
+          </a:p>
+        </p:txBody>
+      </p:sp>
+      <p:sp>
+        <p:nvSpPr>
+          <p:cNvPr id="8" name="流程图: 过程 7"/>
+          <p:cNvSpPr/>
+          <p:nvPr/>
+        </p:nvSpPr>
+        <p:spPr>
+          <a:xfrm>
+            <a:off x="7275830" y="4026535"/>
+            <a:ext cx="1139190" cy="514350"/>
+          </a:xfrm>
+          <a:prstGeom prst="flowChartProcess">
+            <a:avLst/>
+          </a:prstGeom>
+        </p:spPr>
+        <p:style>
+          <a:lnRef idx="2">
+            <a:schemeClr val="accent1">
+              <a:shade val="50000"/>
+            </a:schemeClr>
+          </a:lnRef>
+          <a:fillRef idx="1">
+            <a:schemeClr val="accent1"/>
+          </a:fillRef>
+          <a:effectRef idx="0">
+            <a:schemeClr val="accent1"/>
+          </a:effectRef>
+          <a:fontRef idx="minor">
+            <a:schemeClr val="lt1"/>
+          </a:fontRef>
+        </p:style>
+        <p:txBody>
+          <a:bodyPr rtlCol="0" anchor="ctr"/>
+          <a:lstStyle/>
+          <a:p>
+            <a:pPr algn="ctr"/>
+            <a:r>
+              <a:rPr lang="en-US" altLang="zh-CN"/>
+              <a:t>Factory</a:t>
+            </a:r>
+            <a:endParaRPr lang="en-US" altLang="zh-CN"/>
+          </a:p>
+        </p:txBody>
+      </p:sp>
+      <p:sp>
+        <p:nvSpPr>
+          <p:cNvPr id="9" name="流程图: 过程 8"/>
+          <p:cNvSpPr/>
+          <p:nvPr/>
+        </p:nvSpPr>
+        <p:spPr>
+          <a:xfrm>
+            <a:off x="9353550" y="4026535"/>
+            <a:ext cx="1205230" cy="514350"/>
+          </a:xfrm>
+          <a:prstGeom prst="flowChartProcess">
+            <a:avLst/>
+          </a:prstGeom>
+        </p:spPr>
+        <p:style>
+          <a:lnRef idx="2">
+            <a:schemeClr val="accent1">
+              <a:shade val="50000"/>
+            </a:schemeClr>
+          </a:lnRef>
+          <a:fillRef idx="1">
+            <a:schemeClr val="accent1"/>
+          </a:fillRef>
+          <a:effectRef idx="0">
+            <a:schemeClr val="accent1"/>
+          </a:effectRef>
+          <a:fontRef idx="minor">
+            <a:schemeClr val="lt1"/>
+          </a:fontRef>
+        </p:style>
+        <p:txBody>
+          <a:bodyPr rtlCol="0" anchor="ctr"/>
+          <a:lstStyle/>
+          <a:p>
+            <a:pPr algn="ctr"/>
+            <a:r>
+              <a:rPr lang="en-US" altLang="zh-CN"/>
+              <a:t>Controller</a:t>
+            </a:r>
+            <a:endParaRPr lang="en-US" altLang="zh-CN"/>
+          </a:p>
+        </p:txBody>
+      </p:sp>
+      <p:sp>
+        <p:nvSpPr>
+          <p:cNvPr id="10" name="流程图: 过程 9"/>
+          <p:cNvSpPr/>
+          <p:nvPr/>
+        </p:nvSpPr>
+        <p:spPr>
+          <a:xfrm>
+            <a:off x="1303020" y="4896485"/>
+            <a:ext cx="1139190" cy="514350"/>
+          </a:xfrm>
+          <a:prstGeom prst="flowChartProcess">
+            <a:avLst/>
+          </a:prstGeom>
+        </p:spPr>
+        <p:style>
+          <a:lnRef idx="2">
+            <a:schemeClr val="accent1">
+              <a:shade val="50000"/>
+            </a:schemeClr>
+          </a:lnRef>
+          <a:fillRef idx="1">
+            <a:schemeClr val="accent1"/>
+          </a:fillRef>
+          <a:effectRef idx="0">
+            <a:schemeClr val="accent1"/>
+          </a:effectRef>
+          <a:fontRef idx="minor">
+            <a:schemeClr val="lt1"/>
+          </a:fontRef>
+        </p:style>
+        <p:txBody>
+          <a:bodyPr rtlCol="0" anchor="ctr"/>
+          <a:lstStyle/>
+          <a:p>
+            <a:pPr algn="ctr"/>
+            <a:r>
+              <a:rPr lang="en-US" altLang="zh-CN"/>
+              <a:t>Routes</a:t>
+            </a:r>
+            <a:endParaRPr lang="en-US" altLang="zh-CN"/>
+          </a:p>
+        </p:txBody>
+      </p:sp>
+      <p:sp>
+        <p:nvSpPr>
+          <p:cNvPr id="11" name="流程图: 过程 10"/>
+          <p:cNvSpPr/>
+          <p:nvPr/>
+        </p:nvSpPr>
+        <p:spPr>
+          <a:xfrm>
+            <a:off x="7275830" y="4678680"/>
+            <a:ext cx="1139190" cy="514350"/>
+          </a:xfrm>
+          <a:prstGeom prst="flowChartProcess">
+            <a:avLst/>
+          </a:prstGeom>
+        </p:spPr>
+        <p:style>
+          <a:lnRef idx="2">
+            <a:schemeClr val="accent1">
+              <a:shade val="50000"/>
+            </a:schemeClr>
+          </a:lnRef>
+          <a:fillRef idx="1">
+            <a:schemeClr val="accent1"/>
+          </a:fillRef>
+          <a:effectRef idx="0">
+            <a:schemeClr val="accent1"/>
+          </a:effectRef>
+          <a:fontRef idx="minor">
+            <a:schemeClr val="lt1"/>
+          </a:fontRef>
+        </p:style>
+        <p:txBody>
+          <a:bodyPr rtlCol="0" anchor="ctr"/>
+          <a:lstStyle/>
+          <a:p>
+            <a:pPr algn="ctr"/>
+            <a:r>
+              <a:rPr lang="en-US" altLang="zh-CN"/>
+              <a:t>Service</a:t>
+            </a:r>
+            <a:endParaRPr lang="en-US" altLang="zh-CN"/>
+          </a:p>
+        </p:txBody>
+      </p:sp>
+      <p:sp>
+        <p:nvSpPr>
+          <p:cNvPr id="12" name="流程图: 过程 11"/>
+          <p:cNvSpPr/>
+          <p:nvPr/>
+        </p:nvSpPr>
+        <p:spPr>
+          <a:xfrm>
+            <a:off x="7275830" y="5314950"/>
+            <a:ext cx="1139190" cy="514350"/>
+          </a:xfrm>
+          <a:prstGeom prst="flowChartProcess">
+            <a:avLst/>
+          </a:prstGeom>
+        </p:spPr>
+        <p:style>
+          <a:lnRef idx="2">
+            <a:schemeClr val="accent1">
+              <a:shade val="50000"/>
+            </a:schemeClr>
+          </a:lnRef>
+          <a:fillRef idx="1">
+            <a:schemeClr val="accent1"/>
+          </a:fillRef>
+          <a:effectRef idx="0">
+            <a:schemeClr val="accent1"/>
+          </a:effectRef>
+          <a:fontRef idx="minor">
+            <a:schemeClr val="lt1"/>
+          </a:fontRef>
+        </p:style>
+        <p:txBody>
+          <a:bodyPr rtlCol="0" anchor="ctr"/>
+          <a:lstStyle/>
+          <a:p>
+            <a:pPr algn="ctr"/>
+            <a:r>
+              <a:rPr lang="en-US" altLang="zh-CN"/>
+              <a:t>Provider</a:t>
+            </a:r>
+            <a:endParaRPr lang="en-US" altLang="zh-CN"/>
+          </a:p>
+        </p:txBody>
+      </p:sp>
+      <p:sp>
+        <p:nvSpPr>
+          <p:cNvPr id="13" name="流程图: 过程 12"/>
+          <p:cNvSpPr/>
+          <p:nvPr/>
+        </p:nvSpPr>
+        <p:spPr>
+          <a:xfrm>
+            <a:off x="7275830" y="5923915"/>
+            <a:ext cx="1139190" cy="514350"/>
+          </a:xfrm>
+          <a:prstGeom prst="flowChartProcess">
+            <a:avLst/>
+          </a:prstGeom>
+        </p:spPr>
+        <p:style>
+          <a:lnRef idx="2">
+            <a:schemeClr val="accent1">
+              <a:shade val="50000"/>
+            </a:schemeClr>
+          </a:lnRef>
+          <a:fillRef idx="1">
+            <a:schemeClr val="accent1"/>
+          </a:fillRef>
+          <a:effectRef idx="0">
+            <a:schemeClr val="accent1"/>
+          </a:effectRef>
+          <a:fontRef idx="minor">
+            <a:schemeClr val="lt1"/>
+          </a:fontRef>
+        </p:style>
+        <p:txBody>
+          <a:bodyPr rtlCol="0" anchor="ctr"/>
+          <a:lstStyle/>
+          <a:p>
+            <a:pPr algn="ctr"/>
+            <a:r>
+              <a:rPr lang="en-US" altLang="zh-CN"/>
+              <a:t>Value</a:t>
+            </a:r>
+            <a:endParaRPr lang="en-US" altLang="zh-CN"/>
+          </a:p>
+        </p:txBody>
+      </p:sp>
+      <p:sp>
+        <p:nvSpPr>
+          <p:cNvPr id="14" name="流程图: 过程 13"/>
+          <p:cNvSpPr/>
+          <p:nvPr/>
+        </p:nvSpPr>
+        <p:spPr>
+          <a:xfrm>
+            <a:off x="1316990" y="4026535"/>
+            <a:ext cx="1139190" cy="514350"/>
+          </a:xfrm>
+          <a:prstGeom prst="flowChartProcess">
+            <a:avLst/>
+          </a:prstGeom>
+        </p:spPr>
+        <p:style>
+          <a:lnRef idx="2">
+            <a:schemeClr val="accent1">
+              <a:shade val="50000"/>
+            </a:schemeClr>
+          </a:lnRef>
+          <a:fillRef idx="1">
+            <a:schemeClr val="accent1"/>
+          </a:fillRef>
+          <a:effectRef idx="0">
+            <a:schemeClr val="accent1"/>
+          </a:effectRef>
+          <a:fontRef idx="minor">
+            <a:schemeClr val="lt1"/>
+          </a:fontRef>
+        </p:style>
+        <p:txBody>
+          <a:bodyPr rtlCol="0" anchor="ctr"/>
+          <a:lstStyle/>
+          <a:p>
+            <a:pPr algn="ctr"/>
+            <a:r>
               <a:rPr lang="en-US"/>
-              <a:t>Model</a:t>
+              <a:t>Config</a:t>
             </a:r>
             <a:endParaRPr lang="en-US"/>
           </a:p>
@@ -40905,28 +41194,96 @@
       </p:sp>
       <p:sp>
         <p:nvSpPr>
-          <p:cNvPr id="3" name="Content Placeholder 2"/>
-          <p:cNvSpPr>
-            <a:spLocks noGrp="1"/>
-          </p:cNvSpPr>
-          <p:nvPr>
-            <p:ph idx="1"/>
-          </p:nvPr>
-        </p:nvSpPr>
-        <p:spPr/>
-        <p:txBody>
-          <a:bodyPr/>
-          <a:lstStyle/>
-          <a:p>
-            <a:r>
-              <a:rPr lang="en-US"/>
-              <a:t>data model binding with scope, we don't need to create it manually.</a:t>
-            </a:r>
-            <a:endParaRPr lang="en-US"/>
+          <p:cNvPr id="15" name="流程图: 过程 14"/>
+          <p:cNvSpPr/>
+          <p:nvPr/>
+        </p:nvSpPr>
+        <p:spPr>
+          <a:xfrm>
+            <a:off x="3116580" y="4026535"/>
+            <a:ext cx="1139190" cy="514350"/>
+          </a:xfrm>
+          <a:prstGeom prst="flowChartProcess">
+            <a:avLst/>
+          </a:prstGeom>
+        </p:spPr>
+        <p:style>
+          <a:lnRef idx="2">
+            <a:schemeClr val="accent1">
+              <a:shade val="50000"/>
+            </a:schemeClr>
+          </a:lnRef>
+          <a:fillRef idx="1">
+            <a:schemeClr val="accent1"/>
+          </a:fillRef>
+          <a:effectRef idx="0">
+            <a:schemeClr val="accent1"/>
+          </a:effectRef>
+          <a:fontRef idx="minor">
+            <a:schemeClr val="lt1"/>
+          </a:fontRef>
+        </p:style>
+        <p:txBody>
+          <a:bodyPr rtlCol="0" anchor="ctr"/>
+          <a:lstStyle/>
+          <a:p>
+            <a:pPr algn="ctr"/>
+            <a:r>
+              <a:rPr lang="en-US" altLang="zh-CN"/>
+              <a:t>Filter</a:t>
+            </a:r>
+            <a:endParaRPr lang="en-US" altLang="zh-CN"/>
+          </a:p>
+        </p:txBody>
+      </p:sp>
+      <p:sp>
+        <p:nvSpPr>
+          <p:cNvPr id="16" name="流程图: 过程 15"/>
+          <p:cNvSpPr/>
+          <p:nvPr/>
+        </p:nvSpPr>
+        <p:spPr>
+          <a:xfrm>
+            <a:off x="5146040" y="4026535"/>
+            <a:ext cx="1139190" cy="514350"/>
+          </a:xfrm>
+          <a:prstGeom prst="flowChartProcess">
+            <a:avLst/>
+          </a:prstGeom>
+        </p:spPr>
+        <p:style>
+          <a:lnRef idx="2">
+            <a:schemeClr val="accent1">
+              <a:shade val="50000"/>
+            </a:schemeClr>
+          </a:lnRef>
+          <a:fillRef idx="1">
+            <a:schemeClr val="accent1"/>
+          </a:fillRef>
+          <a:effectRef idx="0">
+            <a:schemeClr val="accent1"/>
+          </a:effectRef>
+          <a:fontRef idx="minor">
+            <a:schemeClr val="lt1"/>
+          </a:fontRef>
+        </p:style>
+        <p:txBody>
+          <a:bodyPr rtlCol="0" anchor="ctr"/>
+          <a:lstStyle/>
+          <a:p>
+            <a:pPr algn="ctr"/>
+            <a:r>
+              <a:rPr lang="en-US" altLang="zh-CN"/>
+              <a:t>Directive</a:t>
+            </a:r>
+            <a:endParaRPr lang="en-US" altLang="zh-CN"/>
           </a:p>
         </p:txBody>
       </p:sp>
     </p:spTree>
+    <p:custDataLst>
+      <p:tags r:id="rId3"/>
+    </p:custDataLst>
   </p:cSld>
   <p:clrMapOvr>
     <a:masterClrMapping/>
@@ -40975,7 +41332,7 @@
           <a:p>
             <a:r>
               <a:rPr lang="en-US"/>
-              <a:t>View</a:t>
+              <a:t>Model</a:t>
             </a:r>
             <a:endParaRPr lang="en-US"/>
           </a:p>
@@ -40998,17 +41355,7 @@
           <a:p>
             <a:r>
               <a:rPr lang="en-US"/>
-              <a:t>Re-use views via Directive.</a:t>
-            </a:r>
-            <a:endParaRPr lang="en-US"/>
-          </a:p>
-          <a:p>
-            <a:endParaRPr lang="en-US"/>
-          </a:p>
-          <a:p>
-            <a:r>
-              <a:rPr lang="en-US"/>
-              <a:t>MVC of AngularJS is based on $scope.</a:t>
+              <a:t>data model binding with scope, we don't need to create it manually.</a:t>
             </a:r>
             <a:endParaRPr lang="en-US"/>
           </a:p>
@@ -41019,6 +41366,13 @@
   <p:clrMapOvr>
     <a:masterClrMapping/>
   </p:clrMapOvr>
+  <p:timing>
+    <p:tnLst>
+      <p:par>
+        <p:cTn id="1" dur="indefinite" restart="never" nodeType="tmRoot"/>
+      </p:par>
+    </p:tnLst>
+  </p:timing>
 </p:sld>
 </file>
 
@@ -41031,10 +41385,17 @@
         <p:cNvGrpSpPr/>
         <p:nvPr/>
       </p:nvGrpSpPr>
-      <p:grpSpPr/>
-      <p:sp>
-        <p:nvSpPr>
-          <p:cNvPr id="2" name="标题 1"/>
+      <p:grpSpPr>
+        <a:xfrm>
+          <a:off x="0" y="0"/>
+          <a:ext cx="0" cy="0"/>
+          <a:chOff x="0" y="0"/>
+          <a:chExt cx="0" cy="0"/>
+        </a:xfrm>
+      </p:grpSpPr>
+      <p:sp>
+        <p:nvSpPr>
+          <p:cNvPr id="2" name="Title 1"/>
           <p:cNvSpPr>
             <a:spLocks noGrp="1"/>
           </p:cNvSpPr>
@@ -41045,18 +41406,19 @@
         <p:spPr/>
         <p:txBody>
           <a:bodyPr/>
-          <a:p>
-            <a:r>
-              <a:rPr lang="en-US" altLang="zh-CN"/>
-              <a:t>Scope	</a:t>
-            </a:r>
-            <a:endParaRPr lang="en-US" altLang="zh-CN"/>
-          </a:p>
-        </p:txBody>
-      </p:sp>
-      <p:sp>
-        <p:nvSpPr>
-          <p:cNvPr id="3" name="内容占位符 2"/>
+          <a:lstStyle/>
+          <a:p>
+            <a:r>
+              <a:rPr lang="en-US"/>
+              <a:t>View</a:t>
+            </a:r>
+            <a:endParaRPr lang="en-US"/>
+          </a:p>
+        </p:txBody>
+      </p:sp>
+      <p:sp>
+        <p:nvSpPr>
+          <p:cNvPr id="3" name="Content Placeholder 2"/>
           <p:cNvSpPr>
             <a:spLocks noGrp="1"/>
           </p:cNvSpPr>
@@ -41067,67 +41429,23 @@
         <p:spPr/>
         <p:txBody>
           <a:bodyPr/>
-          <a:p>
-            <a:r>
-              <a:rPr lang="en-US" altLang="zh-CN"/>
-              <a:t>$scope is a POJO(plain old javascript object)</a:t>
-            </a:r>
-            <a:endParaRPr lang="en-US" altLang="zh-CN"/>
-          </a:p>
-          <a:p>
-            <a:r>
-              <a:rPr lang="en-US" altLang="zh-CN"/>
-              <a:t>$scope provides $watch and $apply()</a:t>
-            </a:r>
-            <a:endParaRPr lang="en-US" altLang="zh-CN"/>
-          </a:p>
-          <a:p>
-            <a:r>
-              <a:rPr lang="en-US" altLang="zh-CN"/>
-              <a:t>$scope is an running environment of expression.</a:t>
-            </a:r>
-            <a:endParaRPr lang="en-US" altLang="zh-CN"/>
-          </a:p>
-          <a:p>
-            <a:r>
-              <a:rPr lang="en-US" altLang="zh-CN"/>
-              <a:t>$scope is a tree structure,parallel with DOM tags.</a:t>
-            </a:r>
-            <a:endParaRPr lang="en-US" altLang="zh-CN"/>
-          </a:p>
-          <a:p>
-            <a:r>
-              <a:rPr lang="en-US" altLang="zh-CN"/>
-              <a:t>$scope inherit properties and methods from its parent $scope.</a:t>
-            </a:r>
-            <a:endParaRPr lang="en-US" altLang="zh-CN"/>
-          </a:p>
-          <a:p>
-            <a:r>
-              <a:rPr lang="en-US" altLang="zh-CN"/>
-              <a:t>every Angular application has a $rootScope.</a:t>
-            </a:r>
-            <a:endParaRPr lang="en-US" altLang="zh-CN"/>
-          </a:p>
-          <a:p>
-            <a:r>
-              <a:rPr lang="en-US" altLang="zh-CN"/>
-              <a:t>$scope can broadcast event, like DOM event , up or down.</a:t>
-            </a:r>
-            <a:endParaRPr lang="en-US" altLang="zh-CN"/>
-          </a:p>
-          <a:p>
-            <a:r>
-              <a:rPr lang="en-US" altLang="zh-CN"/>
-              <a:t>$scope is a base of MVC and bi-direction data binding.</a:t>
-            </a:r>
-            <a:endParaRPr lang="en-US" altLang="zh-CN"/>
-          </a:p>
-          <a:p>
-            <a:endParaRPr lang="en-US" altLang="zh-CN"/>
-          </a:p>
-          <a:p>
-            <a:endParaRPr lang="en-US" altLang="zh-CN"/>
+          <a:lstStyle/>
+          <a:p>
+            <a:r>
+              <a:rPr lang="en-US"/>
+              <a:t>Re-use views via Directive.</a:t>
+            </a:r>
+            <a:endParaRPr lang="en-US"/>
+          </a:p>
+          <a:p>
+            <a:endParaRPr lang="en-US"/>
+          </a:p>
+          <a:p>
+            <a:r>
+              <a:rPr lang="en-US"/>
+              <a:t>MVC of AngularJS is based on $scope.</a:t>
+            </a:r>
+            <a:endParaRPr lang="en-US"/>
           </a:p>
         </p:txBody>
       </p:sp>
@@ -41165,7 +41483,7 @@
           <a:p>
             <a:r>
               <a:rPr lang="en-US" altLang="zh-CN"/>
-              <a:t>$scope life cycle	</a:t>
+              <a:t>Scope	</a:t>
             </a:r>
             <a:endParaRPr lang="en-US" altLang="zh-CN"/>
           </a:p>
@@ -41187,36 +41505,63 @@
           <a:p>
             <a:r>
               <a:rPr lang="en-US" altLang="zh-CN"/>
-              <a:t>creation</a:t>
+              <a:t>$scope is a POJO(plain old javascript object)</a:t>
             </a:r>
             <a:endParaRPr lang="en-US" altLang="zh-CN"/>
           </a:p>
           <a:p>
             <a:r>
               <a:rPr lang="en-US" altLang="zh-CN"/>
-              <a:t>watcher registration</a:t>
+              <a:t>$scope provides $watch and $apply()</a:t>
             </a:r>
             <a:endParaRPr lang="en-US" altLang="zh-CN"/>
           </a:p>
           <a:p>
             <a:r>
               <a:rPr lang="en-US" altLang="zh-CN"/>
-              <a:t>model mutation</a:t>
+              <a:t>$scope is an running environment of expression.</a:t>
             </a:r>
             <a:endParaRPr lang="en-US" altLang="zh-CN"/>
           </a:p>
           <a:p>
             <a:r>
               <a:rPr lang="en-US" altLang="zh-CN"/>
-              <a:t>mutation observation</a:t>
+              <a:t>$scope is a tree structure,parallel with DOM tags.</a:t>
             </a:r>
             <a:endParaRPr lang="en-US" altLang="zh-CN"/>
           </a:p>
           <a:p>
             <a:r>
               <a:rPr lang="en-US" altLang="zh-CN"/>
-              <a:t>scope destruction</a:t>
-            </a:r>
+              <a:t>$scope inherit properties and methods from its parent $scope.</a:t>
+            </a:r>
+            <a:endParaRPr lang="en-US" altLang="zh-CN"/>
+          </a:p>
+          <a:p>
+            <a:r>
+              <a:rPr lang="en-US" altLang="zh-CN"/>
+              <a:t>every Angular application has a $rootScope.</a:t>
+            </a:r>
+            <a:endParaRPr lang="en-US" altLang="zh-CN"/>
+          </a:p>
+          <a:p>
+            <a:r>
+              <a:rPr lang="en-US" altLang="zh-CN"/>
+              <a:t>$scope can broadcast event, like DOM event , up or down.</a:t>
+            </a:r>
+            <a:endParaRPr lang="en-US" altLang="zh-CN"/>
+          </a:p>
+          <a:p>
+            <a:r>
+              <a:rPr lang="en-US" altLang="zh-CN"/>
+              <a:t>$scope is a base of MVC and bi-direction data binding.</a:t>
+            </a:r>
+            <a:endParaRPr lang="en-US" altLang="zh-CN"/>
+          </a:p>
+          <a:p>
+            <a:endParaRPr lang="en-US" altLang="zh-CN"/>
+          </a:p>
+          <a:p>
             <a:endParaRPr lang="en-US" altLang="zh-CN"/>
           </a:p>
         </p:txBody>
@@ -42676,6 +43021,96 @@
           <a:p>
             <a:r>
               <a:rPr lang="en-US" altLang="zh-CN"/>
+              <a:t>$scope life cycle	</a:t>
+            </a:r>
+            <a:endParaRPr lang="en-US" altLang="zh-CN"/>
+          </a:p>
+        </p:txBody>
+      </p:sp>
+      <p:sp>
+        <p:nvSpPr>
+          <p:cNvPr id="3" name="内容占位符 2"/>
+          <p:cNvSpPr>
+            <a:spLocks noGrp="1"/>
+          </p:cNvSpPr>
+          <p:nvPr>
+            <p:ph idx="1"/>
+          </p:nvPr>
+        </p:nvSpPr>
+        <p:spPr/>
+        <p:txBody>
+          <a:bodyPr/>
+          <a:p>
+            <a:r>
+              <a:rPr lang="en-US" altLang="zh-CN"/>
+              <a:t>creation</a:t>
+            </a:r>
+            <a:endParaRPr lang="en-US" altLang="zh-CN"/>
+          </a:p>
+          <a:p>
+            <a:r>
+              <a:rPr lang="en-US" altLang="zh-CN"/>
+              <a:t>watcher registration</a:t>
+            </a:r>
+            <a:endParaRPr lang="en-US" altLang="zh-CN"/>
+          </a:p>
+          <a:p>
+            <a:r>
+              <a:rPr lang="en-US" altLang="zh-CN"/>
+              <a:t>model mutation</a:t>
+            </a:r>
+            <a:endParaRPr lang="en-US" altLang="zh-CN"/>
+          </a:p>
+          <a:p>
+            <a:r>
+              <a:rPr lang="en-US" altLang="zh-CN"/>
+              <a:t>mutation observation</a:t>
+            </a:r>
+            <a:endParaRPr lang="en-US" altLang="zh-CN"/>
+          </a:p>
+          <a:p>
+            <a:r>
+              <a:rPr lang="en-US" altLang="zh-CN"/>
+              <a:t>scope destruction</a:t>
+            </a:r>
+            <a:endParaRPr lang="en-US" altLang="zh-CN"/>
+          </a:p>
+        </p:txBody>
+      </p:sp>
+    </p:spTree>
+  </p:cSld>
+  <p:clrMapOvr>
+    <a:masterClrMapping/>
+  </p:clrMapOvr>
+</p:sld>
+</file>
+
+<file path=ppt/slides/slide21.xml><?xml version="1.0" encoding="utf-8"?>
+<p:sld xmlns:a="http://schemas.openxmlformats.org/drawingml/2006/main" xmlns:r="http://schemas.openxmlformats.org/officeDocument/2006/relationships" xmlns:p="http://schemas.openxmlformats.org/presentationml/2006/main">
+  <p:cSld>
+    <p:spTree>
+      <p:nvGrpSpPr>
+        <p:cNvPr id="1" name=""/>
+        <p:cNvGrpSpPr/>
+        <p:nvPr/>
+      </p:nvGrpSpPr>
+      <p:grpSpPr/>
+      <p:sp>
+        <p:nvSpPr>
+          <p:cNvPr id="2" name="标题 1"/>
+          <p:cNvSpPr>
+            <a:spLocks noGrp="1"/>
+          </p:cNvSpPr>
+          <p:nvPr>
+            <p:ph type="title"/>
+          </p:nvPr>
+        </p:nvSpPr>
+        <p:spPr/>
+        <p:txBody>
+          <a:bodyPr/>
+          <a:p>
+            <a:r>
+              <a:rPr lang="en-US" altLang="zh-CN"/>
               <a:t>ngRoute</a:t>
             </a:r>
             <a:endParaRPr lang="en-US" altLang="zh-CN"/>
@@ -42741,98 +43176,6 @@
 </p:sld>
 </file>
 
-<file path=ppt/slides/slide21.xml><?xml version="1.0" encoding="utf-8"?>
-<p:sld xmlns:a="http://schemas.openxmlformats.org/drawingml/2006/main" xmlns:r="http://schemas.openxmlformats.org/officeDocument/2006/relationships" xmlns:p="http://schemas.openxmlformats.org/presentationml/2006/main">
-  <p:cSld>
-    <p:spTree>
-      <p:nvGrpSpPr>
-        <p:cNvPr id="1" name=""/>
-        <p:cNvGrpSpPr/>
-        <p:nvPr/>
-      </p:nvGrpSpPr>
-      <p:grpSpPr>
-        <a:xfrm>
-          <a:off x="0" y="0"/>
-          <a:ext cx="0" cy="0"/>
-          <a:chOff x="0" y="0"/>
-          <a:chExt cx="0" cy="0"/>
-        </a:xfrm>
-      </p:grpSpPr>
-      <p:sp>
-        <p:nvSpPr>
-          <p:cNvPr id="3" name="标题 2"/>
-          <p:cNvSpPr>
-            <a:spLocks noGrp="1"/>
-          </p:cNvSpPr>
-          <p:nvPr>
-            <p:ph type="title"/>
-            <p:custDataLst>
-              <p:tags r:id="rId1"/>
-            </p:custDataLst>
-          </p:nvPr>
-        </p:nvSpPr>
-        <p:spPr/>
-        <p:txBody>
-          <a:bodyPr/>
-          <a:lstStyle/>
-          <a:p>
-            <a:r>
-              <a:rPr lang="en-US" altLang="zh-CN" dirty="0"/>
-              <a:t>Directive</a:t>
-            </a:r>
-            <a:endParaRPr lang="en-US" altLang="zh-CN" dirty="0"/>
-          </a:p>
-        </p:txBody>
-      </p:sp>
-      <p:sp>
-        <p:nvSpPr>
-          <p:cNvPr id="4" name="内容占位符 3"/>
-          <p:cNvSpPr>
-            <a:spLocks noGrp="1"/>
-          </p:cNvSpPr>
-          <p:nvPr>
-            <p:ph idx="1"/>
-            <p:custDataLst>
-              <p:tags r:id="rId2"/>
-            </p:custDataLst>
-          </p:nvPr>
-        </p:nvSpPr>
-        <p:spPr/>
-        <p:txBody>
-          <a:bodyPr/>
-          <a:lstStyle/>
-          <a:p>
-            <a:pPr>
-              <a:lnSpc>
-                <a:spcPct val="150000"/>
-              </a:lnSpc>
-            </a:pPr>
-            <a:r>
-              <a:rPr lang="en-US" dirty="0"/>
-              <a:t>Lorem ipsum dolor sit amet, consectetur adipisicing elit, 									   sed do eiusmod tempor incididunt ut labore et dolore magna aliqua. Ut enim ad minim veniam, 									   quis nostrud exercitation ullamco laboris nisi ut aliquip </a:t>
-            </a:r>
-            <a:endParaRPr lang="en-US" dirty="0"/>
-          </a:p>
-        </p:txBody>
-      </p:sp>
-    </p:spTree>
-    <p:custDataLst>
-      <p:tags r:id="rId3"/>
-    </p:custDataLst>
-  </p:cSld>
-  <p:clrMapOvr>
-    <a:masterClrMapping/>
-  </p:clrMapOvr>
-  <p:timing>
-    <p:tnLst>
-      <p:par>
-        <p:cTn id="1" dur="indefinite" restart="never" nodeType="tmRoot"/>
-      </p:par>
-    </p:tnLst>
-  </p:timing>
-</p:sld>
-</file>
-
 <file path=ppt/slides/slide22.xml><?xml version="1.0" encoding="utf-8"?>
 <p:sld xmlns:a="http://schemas.openxmlformats.org/drawingml/2006/main" xmlns:r="http://schemas.openxmlformats.org/officeDocument/2006/relationships" xmlns:p="http://schemas.openxmlformats.org/presentationml/2006/main">
   <p:cSld>
@@ -42852,12 +43195,15 @@
       </p:grpSpPr>
       <p:sp>
         <p:nvSpPr>
-          <p:cNvPr id="2" name="标题 1"/>
+          <p:cNvPr id="3" name="标题 2"/>
           <p:cNvSpPr>
             <a:spLocks noGrp="1"/>
           </p:cNvSpPr>
           <p:nvPr>
             <p:ph type="title"/>
+            <p:custDataLst>
+              <p:tags r:id="rId1"/>
+            </p:custDataLst>
           </p:nvPr>
         </p:nvSpPr>
         <p:spPr/>
@@ -42865,18 +43211,25 @@
           <a:bodyPr/>
           <a:lstStyle/>
           <a:p>
-            <a:endParaRPr lang="zh-CN" altLang="en-US"/>
-          </a:p>
-        </p:txBody>
-      </p:sp>
-      <p:sp>
-        <p:nvSpPr>
-          <p:cNvPr id="3" name="内容占位符 2"/>
+            <a:r>
+              <a:rPr lang="en-US" altLang="zh-CN" dirty="0"/>
+              <a:t>Directive</a:t>
+            </a:r>
+            <a:endParaRPr lang="en-US" altLang="zh-CN" dirty="0"/>
+          </a:p>
+        </p:txBody>
+      </p:sp>
+      <p:sp>
+        <p:nvSpPr>
+          <p:cNvPr id="4" name="内容占位符 3"/>
           <p:cNvSpPr>
             <a:spLocks noGrp="1"/>
           </p:cNvSpPr>
           <p:nvPr>
             <p:ph idx="1"/>
+            <p:custDataLst>
+              <p:tags r:id="rId2"/>
+            </p:custDataLst>
           </p:nvPr>
         </p:nvSpPr>
         <p:spPr/>
@@ -42884,18 +43237,34 @@
           <a:bodyPr/>
           <a:lstStyle/>
           <a:p>
-            <a:endParaRPr lang="zh-CN" altLang="en-US"/>
+            <a:pPr>
+              <a:lnSpc>
+                <a:spcPct val="150000"/>
+              </a:lnSpc>
+            </a:pPr>
+            <a:r>
+              <a:rPr lang="en-US" dirty="0"/>
+              <a:t>Lorem ipsum dolor sit amet, consectetur adipisicing elit, 									   sed do eiusmod tempor incididunt ut labore et dolore magna aliqua. Ut enim ad minim veniam, 									   quis nostrud exercitation ullamco laboris nisi ut aliquip </a:t>
+            </a:r>
+            <a:endParaRPr lang="en-US" dirty="0"/>
           </a:p>
         </p:txBody>
       </p:sp>
     </p:spTree>
     <p:custDataLst>
-      <p:tags r:id="rId1"/>
+      <p:tags r:id="rId3"/>
     </p:custDataLst>
   </p:cSld>
   <p:clrMapOvr>
     <a:masterClrMapping/>
   </p:clrMapOvr>
+  <p:timing>
+    <p:tnLst>
+      <p:par>
+        <p:cTn id="1" dur="indefinite" restart="never" nodeType="tmRoot"/>
+      </p:par>
+    </p:tnLst>
+  </p:timing>
 </p:sld>
 </file>
 
@@ -42918,15 +43287,12 @@
       </p:grpSpPr>
       <p:sp>
         <p:nvSpPr>
-          <p:cNvPr id="3" name="标题 2"/>
+          <p:cNvPr id="2" name="标题 1"/>
           <p:cNvSpPr>
             <a:spLocks noGrp="1"/>
           </p:cNvSpPr>
           <p:nvPr>
             <p:ph type="title"/>
-            <p:custDataLst>
-              <p:tags r:id="rId1"/>
-            </p:custDataLst>
           </p:nvPr>
         </p:nvSpPr>
         <p:spPr/>
@@ -42934,25 +43300,18 @@
           <a:bodyPr/>
           <a:lstStyle/>
           <a:p>
-            <a:r>
-              <a:rPr lang="en-US" altLang="zh-CN" dirty="0"/>
-              <a:t>Bi-Direction Data Binding</a:t>
-            </a:r>
-            <a:endParaRPr lang="en-US" altLang="zh-CN" dirty="0"/>
-          </a:p>
-        </p:txBody>
-      </p:sp>
-      <p:sp>
-        <p:nvSpPr>
-          <p:cNvPr id="4" name="内容占位符 3"/>
+            <a:endParaRPr lang="zh-CN" altLang="en-US"/>
+          </a:p>
+        </p:txBody>
+      </p:sp>
+      <p:sp>
+        <p:nvSpPr>
+          <p:cNvPr id="3" name="内容占位符 2"/>
           <p:cNvSpPr>
             <a:spLocks noGrp="1"/>
           </p:cNvSpPr>
           <p:nvPr>
             <p:ph idx="1"/>
-            <p:custDataLst>
-              <p:tags r:id="rId2"/>
-            </p:custDataLst>
           </p:nvPr>
         </p:nvSpPr>
         <p:spPr/>
@@ -42960,34 +43319,18 @@
           <a:bodyPr/>
           <a:lstStyle/>
           <a:p>
-            <a:pPr>
-              <a:lnSpc>
-                <a:spcPct val="150000"/>
-              </a:lnSpc>
-            </a:pPr>
-            <a:r>
-              <a:rPr lang="en-US" dirty="0"/>
-              <a:t>Lorem ipsum dolor sit amet, consectetur adipisicing elit, 									   sed do eiusmod tempor incididunt ut labore et dolore magna aliqua. Ut enim ad minim veniam, 									   quis nostrud exercitation ullamco laboris nisi ut aliquip </a:t>
-            </a:r>
-            <a:endParaRPr lang="en-US" dirty="0"/>
+            <a:endParaRPr lang="zh-CN" altLang="en-US"/>
           </a:p>
         </p:txBody>
       </p:sp>
     </p:spTree>
     <p:custDataLst>
-      <p:tags r:id="rId3"/>
+      <p:tags r:id="rId1"/>
     </p:custDataLst>
   </p:cSld>
   <p:clrMapOvr>
     <a:masterClrMapping/>
   </p:clrMapOvr>
-  <p:timing>
-    <p:tnLst>
-      <p:par>
-        <p:cTn id="1" dur="indefinite" restart="never" nodeType="tmRoot"/>
-      </p:par>
-    </p:tnLst>
-  </p:timing>
 </p:sld>
 </file>
 
@@ -43010,67 +43353,38 @@
       </p:grpSpPr>
       <p:sp>
         <p:nvSpPr>
-          <p:cNvPr id="18" name="文本框 17"/>
-          <p:cNvSpPr txBox="1"/>
-          <p:nvPr>
+          <p:cNvPr id="3" name="标题 2"/>
+          <p:cNvSpPr>
+            <a:spLocks noGrp="1"/>
+          </p:cNvSpPr>
+          <p:nvPr>
+            <p:ph type="title"/>
             <p:custDataLst>
               <p:tags r:id="rId1"/>
             </p:custDataLst>
           </p:nvPr>
         </p:nvSpPr>
-        <p:spPr>
-          <a:xfrm>
-            <a:off x="7585365" y="1683326"/>
-            <a:ext cx="1641762" cy="2589371"/>
-          </a:xfrm>
-          <a:prstGeom prst="rect">
-            <a:avLst/>
-          </a:prstGeom>
-          <a:noFill/>
-        </p:spPr>
-        <p:txBody>
-          <a:bodyPr wrap="square">
-            <a:noAutofit/>
-          </a:bodyPr>
-          <a:lstStyle/>
-          <a:p>
-            <a:pPr eaLnBrk="1" hangingPunct="1">
-              <a:spcBef>
-                <a:spcPts val="0"/>
-              </a:spcBef>
-              <a:spcAft>
-                <a:spcPts val="0"/>
-              </a:spcAft>
-              <a:defRPr/>
-            </a:pPr>
-            <a:r>
-              <a:rPr lang="en-US" altLang="zh-CN" sz="19900" kern="0" spc="400" smtClean="0">
-                <a:solidFill>
-                  <a:schemeClr val="accent1"/>
-                </a:solidFill>
-                <a:latin typeface="+mn-lt"/>
-                <a:ea typeface="+mn-ea"/>
-              </a:rPr>
-              <a:t>3</a:t>
-            </a:r>
-            <a:endParaRPr lang="en-US" altLang="zh-CN" sz="19900" kern="0" spc="400" smtClean="0">
-              <a:solidFill>
-                <a:schemeClr val="accent1"/>
-              </a:solidFill>
-              <a:latin typeface="+mn-lt"/>
-              <a:ea typeface="+mn-ea"/>
-            </a:endParaRPr>
-          </a:p>
-        </p:txBody>
-      </p:sp>
-      <p:sp>
-        <p:nvSpPr>
-          <p:cNvPr id="3" name="标题 2"/>
-          <p:cNvSpPr>
-            <a:spLocks noGrp="1"/>
-          </p:cNvSpPr>
-          <p:nvPr>
-            <p:ph type="title"/>
+        <p:spPr/>
+        <p:txBody>
+          <a:bodyPr/>
+          <a:lstStyle/>
+          <a:p>
+            <a:r>
+              <a:rPr lang="en-US" altLang="zh-CN" dirty="0"/>
+              <a:t>Bi-Direction Data Binding</a:t>
+            </a:r>
+            <a:endParaRPr lang="en-US" altLang="zh-CN" dirty="0"/>
+          </a:p>
+        </p:txBody>
+      </p:sp>
+      <p:sp>
+        <p:nvSpPr>
+          <p:cNvPr id="4" name="内容占位符 3"/>
+          <p:cNvSpPr>
+            <a:spLocks noGrp="1"/>
+          </p:cNvSpPr>
+          <p:nvPr>
+            <p:ph idx="1"/>
             <p:custDataLst>
               <p:tags r:id="rId2"/>
             </p:custDataLst>
@@ -43078,16 +43392,19 @@
         </p:nvSpPr>
         <p:spPr/>
         <p:txBody>
-          <a:bodyPr>
-            <a:normAutofit/>
-          </a:bodyPr>
-          <a:lstStyle/>
-          <a:p>
-            <a:r>
-              <a:rPr lang="en-US" altLang="zh-CN" dirty="0"/>
-              <a:t>Angular CLI</a:t>
-            </a:r>
-            <a:endParaRPr lang="en-US" altLang="zh-CN" dirty="0"/>
+          <a:bodyPr/>
+          <a:lstStyle/>
+          <a:p>
+            <a:pPr>
+              <a:lnSpc>
+                <a:spcPct val="150000"/>
+              </a:lnSpc>
+            </a:pPr>
+            <a:r>
+              <a:rPr lang="en-US" dirty="0"/>
+              <a:t>Lorem ipsum dolor sit amet, consectetur adipisicing elit, 									   sed do eiusmod tempor incididunt ut labore et dolore magna aliqua. Ut enim ad minim veniam, 									   quis nostrud exercitation ullamco laboris nisi ut aliquip </a:t>
+            </a:r>
+            <a:endParaRPr lang="en-US" dirty="0"/>
           </a:p>
         </p:txBody>
       </p:sp>
@@ -43128,109 +43445,102 @@
       </p:grpSpPr>
       <p:sp>
         <p:nvSpPr>
-          <p:cNvPr id="2" name="标题 1"/>
+          <p:cNvPr id="18" name="文本框 17"/>
+          <p:cNvSpPr txBox="1"/>
+          <p:nvPr>
+            <p:custDataLst>
+              <p:tags r:id="rId1"/>
+            </p:custDataLst>
+          </p:nvPr>
+        </p:nvSpPr>
+        <p:spPr>
+          <a:xfrm>
+            <a:off x="7585365" y="1683326"/>
+            <a:ext cx="1641762" cy="2589371"/>
+          </a:xfrm>
+          <a:prstGeom prst="rect">
+            <a:avLst/>
+          </a:prstGeom>
+          <a:noFill/>
+        </p:spPr>
+        <p:txBody>
+          <a:bodyPr wrap="square">
+            <a:noAutofit/>
+          </a:bodyPr>
+          <a:lstStyle/>
+          <a:p>
+            <a:pPr eaLnBrk="1" hangingPunct="1">
+              <a:spcBef>
+                <a:spcPts val="0"/>
+              </a:spcBef>
+              <a:spcAft>
+                <a:spcPts val="0"/>
+              </a:spcAft>
+              <a:defRPr/>
+            </a:pPr>
+            <a:r>
+              <a:rPr lang="en-US" altLang="zh-CN" sz="19900" kern="0" spc="400" smtClean="0">
+                <a:solidFill>
+                  <a:schemeClr val="accent1"/>
+                </a:solidFill>
+                <a:latin typeface="+mn-lt"/>
+                <a:ea typeface="+mn-ea"/>
+              </a:rPr>
+              <a:t>3</a:t>
+            </a:r>
+            <a:endParaRPr lang="en-US" altLang="zh-CN" sz="19900" kern="0" spc="400" smtClean="0">
+              <a:solidFill>
+                <a:schemeClr val="accent1"/>
+              </a:solidFill>
+              <a:latin typeface="+mn-lt"/>
+              <a:ea typeface="+mn-ea"/>
+            </a:endParaRPr>
+          </a:p>
+        </p:txBody>
+      </p:sp>
+      <p:sp>
+        <p:nvSpPr>
+          <p:cNvPr id="3" name="标题 2"/>
           <p:cNvSpPr>
             <a:spLocks noGrp="1"/>
           </p:cNvSpPr>
           <p:nvPr>
             <p:ph type="title"/>
+            <p:custDataLst>
+              <p:tags r:id="rId2"/>
+            </p:custDataLst>
           </p:nvPr>
         </p:nvSpPr>
         <p:spPr/>
         <p:txBody>
-          <a:bodyPr/>
-          <a:lstStyle/>
-          <a:p>
-            <a:r>
-              <a:rPr lang="en-US" altLang="zh-CN"/>
-              <a:t>Angular CLI install</a:t>
-            </a:r>
-            <a:endParaRPr lang="en-US" altLang="zh-CN"/>
-          </a:p>
-        </p:txBody>
-      </p:sp>
-      <p:sp>
-        <p:nvSpPr>
-          <p:cNvPr id="3" name="内容占位符 2"/>
-          <p:cNvSpPr>
-            <a:spLocks noGrp="1"/>
-          </p:cNvSpPr>
-          <p:nvPr>
-            <p:ph idx="1"/>
-          </p:nvPr>
-        </p:nvSpPr>
-        <p:spPr/>
-        <p:txBody>
-          <a:bodyPr/>
-          <a:lstStyle/>
-          <a:p>
-            <a:r>
-              <a:rPr lang="en-US" altLang="zh-CN"/>
-              <a:t>npm install -g @angular/cli</a:t>
-            </a:r>
-            <a:endParaRPr lang="en-US" altLang="zh-CN"/>
-          </a:p>
-          <a:p>
-            <a:endParaRPr lang="en-US" altLang="zh-CN"/>
-          </a:p>
-          <a:p>
-            <a:r>
-              <a:rPr lang="en-US" altLang="zh-CN"/>
-              <a:t>on VCloud:</a:t>
-            </a:r>
-            <a:endParaRPr lang="en-US" altLang="zh-CN"/>
-          </a:p>
-          <a:p>
-            <a:r>
-              <a:rPr lang="en-US" altLang="zh-CN"/>
-              <a:t>npm install cnpm --registry=https://registry.npm.taobao.org</a:t>
-            </a:r>
-            <a:endParaRPr lang="en-US" altLang="zh-CN"/>
-          </a:p>
-          <a:p>
-            <a:endParaRPr lang="en-US" altLang="zh-CN"/>
-          </a:p>
-          <a:p>
-            <a:r>
-              <a:rPr lang="en-US" altLang="zh-CN"/>
-              <a:t>cnpm install -g @angular/cli</a:t>
-            </a:r>
-            <a:endParaRPr lang="en-US" altLang="zh-CN"/>
-          </a:p>
-          <a:p>
-            <a:r>
-              <a:rPr lang="en-US" altLang="zh-CN"/>
-              <a:t>ng set --global packageManager=cnpm</a:t>
-            </a:r>
-            <a:endParaRPr lang="en-US" altLang="zh-CN"/>
-          </a:p>
-          <a:p>
-            <a:endParaRPr lang="en-US" altLang="zh-CN"/>
-          </a:p>
-          <a:p>
-            <a:r>
-              <a:rPr lang="en-US" altLang="zh-CN"/>
-              <a:t>Check:</a:t>
-            </a:r>
-            <a:endParaRPr lang="en-US" altLang="zh-CN"/>
-          </a:p>
-          <a:p>
-            <a:r>
-              <a:rPr lang="en-US" altLang="zh-CN"/>
-              <a:t>ng version</a:t>
-            </a:r>
-            <a:endParaRPr lang="en-US" altLang="zh-CN"/>
+          <a:bodyPr>
+            <a:normAutofit/>
+          </a:bodyPr>
+          <a:lstStyle/>
+          <a:p>
+            <a:r>
+              <a:rPr lang="en-US" altLang="zh-CN" dirty="0"/>
+              <a:t>Angular CLI</a:t>
+            </a:r>
+            <a:endParaRPr lang="en-US" altLang="zh-CN" dirty="0"/>
           </a:p>
         </p:txBody>
       </p:sp>
     </p:spTree>
     <p:custDataLst>
-      <p:tags r:id="rId1"/>
+      <p:tags r:id="rId3"/>
     </p:custDataLst>
   </p:cSld>
   <p:clrMapOvr>
     <a:masterClrMapping/>
   </p:clrMapOvr>
+  <p:timing>
+    <p:tnLst>
+      <p:par>
+        <p:cTn id="1" dur="indefinite" restart="never" nodeType="tmRoot"/>
+      </p:par>
+    </p:tnLst>
+  </p:timing>
 </p:sld>
 </file>
 
@@ -43243,7 +43553,14 @@
         <p:cNvGrpSpPr/>
         <p:nvPr/>
       </p:nvGrpSpPr>
-      <p:grpSpPr/>
+      <p:grpSpPr>
+        <a:xfrm>
+          <a:off x="0" y="0"/>
+          <a:ext cx="0" cy="0"/>
+          <a:chOff x="0" y="0"/>
+          <a:chExt cx="0" cy="0"/>
+        </a:xfrm>
+      </p:grpSpPr>
       <p:sp>
         <p:nvSpPr>
           <p:cNvPr id="2" name="标题 1"/>
@@ -43257,8 +43574,13 @@
         <p:spPr/>
         <p:txBody>
           <a:bodyPr/>
-          <a:p>
-            <a:endParaRPr lang="zh-CN" altLang="en-US"/>
+          <a:lstStyle/>
+          <a:p>
+            <a:r>
+              <a:rPr lang="en-US" altLang="zh-CN"/>
+              <a:t>Angular CLI install</a:t>
+            </a:r>
+            <a:endParaRPr lang="en-US" altLang="zh-CN"/>
           </a:p>
         </p:txBody>
       </p:sp>
@@ -43275,8 +43597,64 @@
         <p:spPr/>
         <p:txBody>
           <a:bodyPr/>
-          <a:p>
-            <a:endParaRPr lang="zh-CN" altLang="en-US"/>
+          <a:lstStyle/>
+          <a:p>
+            <a:r>
+              <a:rPr lang="en-US" altLang="zh-CN"/>
+              <a:t>npm install -g @angular/cli</a:t>
+            </a:r>
+            <a:endParaRPr lang="en-US" altLang="zh-CN"/>
+          </a:p>
+          <a:p>
+            <a:endParaRPr lang="en-US" altLang="zh-CN"/>
+          </a:p>
+          <a:p>
+            <a:r>
+              <a:rPr lang="en-US" altLang="zh-CN"/>
+              <a:t>on VCloud:</a:t>
+            </a:r>
+            <a:endParaRPr lang="en-US" altLang="zh-CN"/>
+          </a:p>
+          <a:p>
+            <a:r>
+              <a:rPr lang="en-US" altLang="zh-CN"/>
+              <a:t>npm install cnpm --registry=https://registry.npm.taobao.org</a:t>
+            </a:r>
+            <a:endParaRPr lang="en-US" altLang="zh-CN"/>
+          </a:p>
+          <a:p>
+            <a:endParaRPr lang="en-US" altLang="zh-CN"/>
+          </a:p>
+          <a:p>
+            <a:r>
+              <a:rPr lang="en-US" altLang="zh-CN"/>
+              <a:t>cnpm install -g @angular/cli</a:t>
+            </a:r>
+            <a:endParaRPr lang="en-US" altLang="zh-CN"/>
+          </a:p>
+          <a:p>
+            <a:r>
+              <a:rPr lang="en-US" altLang="zh-CN"/>
+              <a:t>ng set --global packageManager=cnpm</a:t>
+            </a:r>
+            <a:endParaRPr lang="en-US" altLang="zh-CN"/>
+          </a:p>
+          <a:p>
+            <a:endParaRPr lang="en-US" altLang="zh-CN"/>
+          </a:p>
+          <a:p>
+            <a:r>
+              <a:rPr lang="en-US" altLang="zh-CN"/>
+              <a:t>Check:</a:t>
+            </a:r>
+            <a:endParaRPr lang="en-US" altLang="zh-CN"/>
+          </a:p>
+          <a:p>
+            <a:r>
+              <a:rPr lang="en-US" altLang="zh-CN"/>
+              <a:t>ng version</a:t>
+            </a:r>
+            <a:endParaRPr lang="en-US" altLang="zh-CN"/>
           </a:p>
         </p:txBody>
       </p:sp>
@@ -43300,112 +43678,51 @@
         <p:cNvGrpSpPr/>
         <p:nvPr/>
       </p:nvGrpSpPr>
-      <p:grpSpPr>
-        <a:xfrm>
-          <a:off x="0" y="0"/>
-          <a:ext cx="0" cy="0"/>
-          <a:chOff x="0" y="0"/>
-          <a:chExt cx="0" cy="0"/>
-        </a:xfrm>
-      </p:grpSpPr>
-      <p:sp>
-        <p:nvSpPr>
-          <p:cNvPr id="18" name="文本框 17"/>
-          <p:cNvSpPr txBox="1"/>
-          <p:nvPr>
-            <p:custDataLst>
-              <p:tags r:id="rId1"/>
-            </p:custDataLst>
-          </p:nvPr>
-        </p:nvSpPr>
-        <p:spPr>
-          <a:xfrm>
-            <a:off x="7585365" y="1683326"/>
-            <a:ext cx="1641762" cy="2589371"/>
-          </a:xfrm>
-          <a:prstGeom prst="rect">
-            <a:avLst/>
-          </a:prstGeom>
-          <a:noFill/>
-        </p:spPr>
-        <p:txBody>
-          <a:bodyPr wrap="square">
-            <a:noAutofit/>
-          </a:bodyPr>
-          <a:lstStyle/>
-          <a:p>
-            <a:pPr eaLnBrk="1" hangingPunct="1">
-              <a:spcBef>
-                <a:spcPts val="0"/>
-              </a:spcBef>
-              <a:spcAft>
-                <a:spcPts val="0"/>
-              </a:spcAft>
-              <a:defRPr/>
-            </a:pPr>
-            <a:r>
-              <a:rPr lang="en-US" altLang="zh-CN" sz="19900" kern="0" spc="400" smtClean="0">
-                <a:solidFill>
-                  <a:schemeClr val="accent1"/>
-                </a:solidFill>
-                <a:latin typeface="+mn-lt"/>
-                <a:ea typeface="+mn-ea"/>
-              </a:rPr>
-              <a:t>4</a:t>
-            </a:r>
-            <a:endParaRPr lang="en-US" altLang="zh-CN" sz="19900" kern="0" spc="400" smtClean="0">
-              <a:solidFill>
-                <a:schemeClr val="accent1"/>
-              </a:solidFill>
-              <a:latin typeface="+mn-lt"/>
-              <a:ea typeface="+mn-ea"/>
-            </a:endParaRPr>
-          </a:p>
-        </p:txBody>
-      </p:sp>
-      <p:sp>
-        <p:nvSpPr>
-          <p:cNvPr id="3" name="标题 2"/>
+      <p:grpSpPr/>
+      <p:sp>
+        <p:nvSpPr>
+          <p:cNvPr id="2" name="标题 1"/>
           <p:cNvSpPr>
             <a:spLocks noGrp="1"/>
           </p:cNvSpPr>
           <p:nvPr>
             <p:ph type="title"/>
-            <p:custDataLst>
-              <p:tags r:id="rId2"/>
-            </p:custDataLst>
           </p:nvPr>
         </p:nvSpPr>
         <p:spPr/>
         <p:txBody>
-          <a:bodyPr>
-            <a:normAutofit/>
-          </a:bodyPr>
-          <a:lstStyle/>
-          <a:p>
-            <a:r>
-              <a:rPr lang="en-US" altLang="zh-CN" dirty="0"/>
-              <a:t>Locale</a:t>
-            </a:r>
-            <a:endParaRPr lang="en-US" altLang="zh-CN" dirty="0"/>
+          <a:bodyPr/>
+          <a:p>
+            <a:endParaRPr lang="zh-CN" altLang="en-US"/>
+          </a:p>
+        </p:txBody>
+      </p:sp>
+      <p:sp>
+        <p:nvSpPr>
+          <p:cNvPr id="3" name="内容占位符 2"/>
+          <p:cNvSpPr>
+            <a:spLocks noGrp="1"/>
+          </p:cNvSpPr>
+          <p:nvPr>
+            <p:ph idx="1"/>
+          </p:nvPr>
+        </p:nvSpPr>
+        <p:spPr/>
+        <p:txBody>
+          <a:bodyPr/>
+          <a:p>
+            <a:endParaRPr lang="zh-CN" altLang="en-US"/>
           </a:p>
         </p:txBody>
       </p:sp>
     </p:spTree>
     <p:custDataLst>
-      <p:tags r:id="rId3"/>
+      <p:tags r:id="rId1"/>
     </p:custDataLst>
   </p:cSld>
   <p:clrMapOvr>
     <a:masterClrMapping/>
   </p:clrMapOvr>
-  <p:timing>
-    <p:tnLst>
-      <p:par>
-        <p:cTn id="1" dur="indefinite" restart="never" nodeType="tmRoot"/>
-      </p:par>
-    </p:tnLst>
-  </p:timing>
 </p:sld>
 </file>
 
@@ -43469,7 +43786,7 @@
                 <a:latin typeface="+mn-lt"/>
                 <a:ea typeface="+mn-ea"/>
               </a:rPr>
-              <a:t>5</a:t>
+              <a:t>4</a:t>
             </a:r>
             <a:endParaRPr lang="en-US" altLang="zh-CN" sz="19900" kern="0" spc="400" smtClean="0">
               <a:solidFill>
@@ -43503,7 +43820,7 @@
           <a:p>
             <a:r>
               <a:rPr lang="en-US" altLang="zh-CN" dirty="0"/>
-              <a:t>G11N practice in Java</a:t>
+              <a:t>Locale</a:t>
             </a:r>
             <a:endParaRPr lang="en-US" altLang="zh-CN" dirty="0"/>
           </a:p>
@@ -43536,59 +43853,112 @@
         <p:cNvGrpSpPr/>
         <p:nvPr/>
       </p:nvGrpSpPr>
-      <p:grpSpPr/>
-      <p:sp>
-        <p:nvSpPr>
-          <p:cNvPr id="2" name="标题 1"/>
+      <p:grpSpPr>
+        <a:xfrm>
+          <a:off x="0" y="0"/>
+          <a:ext cx="0" cy="0"/>
+          <a:chOff x="0" y="0"/>
+          <a:chExt cx="0" cy="0"/>
+        </a:xfrm>
+      </p:grpSpPr>
+      <p:sp>
+        <p:nvSpPr>
+          <p:cNvPr id="18" name="文本框 17"/>
+          <p:cNvSpPr txBox="1"/>
+          <p:nvPr>
+            <p:custDataLst>
+              <p:tags r:id="rId1"/>
+            </p:custDataLst>
+          </p:nvPr>
+        </p:nvSpPr>
+        <p:spPr>
+          <a:xfrm>
+            <a:off x="7585365" y="1683326"/>
+            <a:ext cx="1641762" cy="2589371"/>
+          </a:xfrm>
+          <a:prstGeom prst="rect">
+            <a:avLst/>
+          </a:prstGeom>
+          <a:noFill/>
+        </p:spPr>
+        <p:txBody>
+          <a:bodyPr wrap="square">
+            <a:noAutofit/>
+          </a:bodyPr>
+          <a:lstStyle/>
+          <a:p>
+            <a:pPr eaLnBrk="1" hangingPunct="1">
+              <a:spcBef>
+                <a:spcPts val="0"/>
+              </a:spcBef>
+              <a:spcAft>
+                <a:spcPts val="0"/>
+              </a:spcAft>
+              <a:defRPr/>
+            </a:pPr>
+            <a:r>
+              <a:rPr lang="en-US" altLang="zh-CN" sz="19900" kern="0" spc="400" smtClean="0">
+                <a:solidFill>
+                  <a:schemeClr val="accent1"/>
+                </a:solidFill>
+                <a:latin typeface="+mn-lt"/>
+                <a:ea typeface="+mn-ea"/>
+              </a:rPr>
+              <a:t>5</a:t>
+            </a:r>
+            <a:endParaRPr lang="en-US" altLang="zh-CN" sz="19900" kern="0" spc="400" smtClean="0">
+              <a:solidFill>
+                <a:schemeClr val="accent1"/>
+              </a:solidFill>
+              <a:latin typeface="+mn-lt"/>
+              <a:ea typeface="+mn-ea"/>
+            </a:endParaRPr>
+          </a:p>
+        </p:txBody>
+      </p:sp>
+      <p:sp>
+        <p:nvSpPr>
+          <p:cNvPr id="3" name="标题 2"/>
           <p:cNvSpPr>
             <a:spLocks noGrp="1"/>
           </p:cNvSpPr>
           <p:nvPr>
             <p:ph type="title"/>
+            <p:custDataLst>
+              <p:tags r:id="rId2"/>
+            </p:custDataLst>
           </p:nvPr>
         </p:nvSpPr>
         <p:spPr/>
         <p:txBody>
-          <a:bodyPr/>
-          <a:p>
-            <a:r>
-              <a:rPr lang="en-US" altLang="zh-CN"/>
-              <a:t>Resources</a:t>
-            </a:r>
-            <a:endParaRPr lang="en-US" altLang="zh-CN"/>
-          </a:p>
-        </p:txBody>
-      </p:sp>
-      <p:sp>
-        <p:nvSpPr>
-          <p:cNvPr id="3" name="内容占位符 2"/>
-          <p:cNvSpPr>
-            <a:spLocks noGrp="1"/>
-          </p:cNvSpPr>
-          <p:nvPr>
-            <p:ph idx="1"/>
-          </p:nvPr>
-        </p:nvSpPr>
-        <p:spPr/>
-        <p:txBody>
-          <a:bodyPr/>
-          <a:p>
-            <a:r>
-              <a:rPr lang="zh-CN" altLang="en-US"/>
-              <a:t>https://github.com/angular/angular/blob/master/CHANGELOG.md</a:t>
-            </a:r>
-            <a:endParaRPr lang="zh-CN" altLang="en-US"/>
+          <a:bodyPr>
+            <a:normAutofit/>
+          </a:bodyPr>
+          <a:lstStyle/>
+          <a:p>
+            <a:r>
+              <a:rPr lang="en-US" altLang="zh-CN" dirty="0"/>
+              <a:t>G11N practice in Java</a:t>
+            </a:r>
+            <a:endParaRPr lang="en-US" altLang="zh-CN" dirty="0"/>
           </a:p>
         </p:txBody>
       </p:sp>
     </p:spTree>
     <p:custDataLst>
-      <p:tags r:id="rId1"/>
+      <p:tags r:id="rId3"/>
     </p:custDataLst>
   </p:cSld>
   <p:clrMapOvr>
     <a:masterClrMapping/>
   </p:clrMapOvr>
+  <p:timing>
+    <p:tnLst>
+      <p:par>
+        <p:cTn id="1" dur="indefinite" restart="never" nodeType="tmRoot"/>
+      </p:par>
+    </p:tnLst>
+  </p:timing>
 </p:sld>
 </file>
 
@@ -43734,7 +44104,11 @@
         <p:txBody>
           <a:bodyPr/>
           <a:p>
-            <a:endParaRPr lang="zh-CN" altLang="en-US"/>
+            <a:r>
+              <a:rPr lang="en-US" altLang="zh-CN"/>
+              <a:t>Resources</a:t>
+            </a:r>
+            <a:endParaRPr lang="en-US" altLang="zh-CN"/>
           </a:p>
         </p:txBody>
       </p:sp>
@@ -43752,6 +44126,10 @@
         <p:txBody>
           <a:bodyPr/>
           <a:p>
+            <a:r>
+              <a:rPr lang="zh-CN" altLang="en-US"/>
+              <a:t>https://github.com/angular/angular/blob/master/CHANGELOG.md</a:t>
+            </a:r>
             <a:endParaRPr lang="zh-CN" altLang="en-US"/>
           </a:p>
         </p:txBody>
@@ -43768,6 +44146,63 @@
 </file>
 
 <file path=ppt/slides/slide31.xml><?xml version="1.0" encoding="utf-8"?>
+<p:sld xmlns:a="http://schemas.openxmlformats.org/drawingml/2006/main" xmlns:r="http://schemas.openxmlformats.org/officeDocument/2006/relationships" xmlns:p="http://schemas.openxmlformats.org/presentationml/2006/main">
+  <p:cSld>
+    <p:spTree>
+      <p:nvGrpSpPr>
+        <p:cNvPr id="1" name=""/>
+        <p:cNvGrpSpPr/>
+        <p:nvPr/>
+      </p:nvGrpSpPr>
+      <p:grpSpPr/>
+      <p:sp>
+        <p:nvSpPr>
+          <p:cNvPr id="2" name="标题 1"/>
+          <p:cNvSpPr>
+            <a:spLocks noGrp="1"/>
+          </p:cNvSpPr>
+          <p:nvPr>
+            <p:ph type="title"/>
+          </p:nvPr>
+        </p:nvSpPr>
+        <p:spPr/>
+        <p:txBody>
+          <a:bodyPr/>
+          <a:p>
+            <a:endParaRPr lang="zh-CN" altLang="en-US"/>
+          </a:p>
+        </p:txBody>
+      </p:sp>
+      <p:sp>
+        <p:nvSpPr>
+          <p:cNvPr id="3" name="内容占位符 2"/>
+          <p:cNvSpPr>
+            <a:spLocks noGrp="1"/>
+          </p:cNvSpPr>
+          <p:nvPr>
+            <p:ph idx="1"/>
+          </p:nvPr>
+        </p:nvSpPr>
+        <p:spPr/>
+        <p:txBody>
+          <a:bodyPr/>
+          <a:p>
+            <a:endParaRPr lang="zh-CN" altLang="en-US"/>
+          </a:p>
+        </p:txBody>
+      </p:sp>
+    </p:spTree>
+    <p:custDataLst>
+      <p:tags r:id="rId1"/>
+    </p:custDataLst>
+  </p:cSld>
+  <p:clrMapOvr>
+    <a:masterClrMapping/>
+  </p:clrMapOvr>
+</p:sld>
+</file>
+
+<file path=ppt/slides/slide32.xml><?xml version="1.0" encoding="utf-8"?>
 <p:sld xmlns:a="http://schemas.openxmlformats.org/drawingml/2006/main" xmlns:r="http://schemas.openxmlformats.org/officeDocument/2006/relationships" xmlns:p="http://schemas.openxmlformats.org/presentationml/2006/main">
   <p:cSld>
     <p:spTree>
